--- a/Powerpoint.pptx
+++ b/Powerpoint.pptx
@@ -5585,59 +5585,85 @@
         </p:nvSpPr>
         <p:spPr>
           <a:xfrm>
-            <a:off x="960119" y="2942253"/>
-            <a:ext cx="10266681" cy="2510280"/>
+            <a:off x="960120" y="2942253"/>
+            <a:ext cx="4215016" cy="3481646"/>
           </a:xfrm>
         </p:spPr>
         <p:txBody>
           <a:bodyPr>
-            <a:normAutofit/>
+            <a:noAutofit/>
           </a:bodyPr>
           <a:lstStyle/>
           <a:p>
             <a:r>
-              <a:rPr lang="en-US" dirty="0"/>
-              <a:t>Purpose</a:t>
+              <a:rPr lang="en-US" sz="2800" dirty="0"/>
+              <a:t>Purpose Statement</a:t>
             </a:r>
           </a:p>
           <a:p>
             <a:r>
-              <a:rPr lang="en-US" dirty="0"/>
+              <a:rPr lang="en-US" sz="2800" dirty="0"/>
               <a:t>Database</a:t>
             </a:r>
           </a:p>
           <a:p>
             <a:r>
-              <a:rPr lang="en-US" dirty="0"/>
+              <a:rPr lang="en-US" sz="2800" dirty="0"/>
               <a:t>HTML</a:t>
             </a:r>
           </a:p>
           <a:p>
             <a:r>
-              <a:rPr lang="en-US" dirty="0"/>
+              <a:rPr lang="en-US" sz="2800" dirty="0"/>
               <a:t>Python Flask API</a:t>
             </a:r>
           </a:p>
           <a:p>
             <a:r>
-              <a:rPr lang="en-US" dirty="0" err="1"/>
-              <a:t>Javascript</a:t>
+              <a:rPr lang="en-US" sz="2800" dirty="0"/>
+              <a:t>JavaScript </a:t>
             </a:r>
             <a:r>
-              <a:rPr lang="en-US" dirty="0"/>
-              <a:t> </a:t>
-            </a:r>
-            <a:r>
-              <a:rPr lang="en-US" dirty="0" err="1"/>
+              <a:rPr lang="en-US" sz="2800" dirty="0" err="1"/>
               <a:t>GeoJson</a:t>
             </a:r>
             <a:r>
-              <a:rPr lang="en-US" dirty="0"/>
+              <a:rPr lang="en-US" sz="2800" dirty="0"/>
               <a:t> with Leaflet</a:t>
             </a:r>
           </a:p>
         </p:txBody>
       </p:sp>
+      <p:pic>
+        <p:nvPicPr>
+          <p:cNvPr id="5" name="Picture 4" descr="A group of logos&#10;&#10;Description automatically generated">
+            <a:extLst>
+              <a:ext uri="{FF2B5EF4-FFF2-40B4-BE49-F238E27FC236}">
+                <a16:creationId xmlns:a16="http://schemas.microsoft.com/office/drawing/2014/main" id="{8D022D69-7AFA-BBF6-7074-90AC7E0348B4}"/>
+              </a:ext>
+            </a:extLst>
+          </p:cNvPr>
+          <p:cNvPicPr>
+            <a:picLocks noChangeAspect="1"/>
+          </p:cNvPicPr>
+          <p:nvPr/>
+        </p:nvPicPr>
+        <p:blipFill>
+          <a:blip r:embed="rId2"/>
+          <a:stretch>
+            <a:fillRect/>
+          </a:stretch>
+        </p:blipFill>
+        <p:spPr>
+          <a:xfrm>
+            <a:off x="5175135" y="2942253"/>
+            <a:ext cx="6812870" cy="3254022"/>
+          </a:xfrm>
+          <a:prstGeom prst="rect">
+            <a:avLst/>
+          </a:prstGeom>
+        </p:spPr>
+      </p:pic>
     </p:spTree>
     <p:extLst>
       <p:ext uri="{BB962C8B-B14F-4D97-AF65-F5344CB8AC3E}">
@@ -8626,7 +8652,19 @@
           </a:bodyPr>
           <a:lstStyle/>
           <a:p>
-            <a:endParaRPr/>
+            <a:r>
+              <a:rPr lang="en-US" dirty="0">
+                <a:hlinkClick r:id="rId2"/>
+              </a:rPr>
+              <a:t>https://www.upwork.com/services/product/development-it-python-flask-web-application-with-api-in-html-css-javascript-and-bootstrap-1467755780835794944</a:t>
+            </a:r>
+            <a:r>
+              <a:rPr lang="en-US" dirty="0"/>
+              <a:t> (Image- Slide 1)</a:t>
+            </a:r>
+          </a:p>
+          <a:p>
+            <a:endParaRPr dirty="0"/>
           </a:p>
         </p:txBody>
       </p:sp>

--- a/Powerpoint.pptx
+++ b/Powerpoint.pptx
@@ -4798,7 +4798,7 @@
           <a:p>
             <a:r>
               <a:rPr lang="en-US" sz="8000" dirty="0"/>
-              <a:t>Gun Violence of America</a:t>
+              <a:t>Gun Violence IN America</a:t>
             </a:r>
           </a:p>
         </p:txBody>
@@ -6143,17 +6143,29 @@
         </p:nvSpPr>
         <p:spPr>
           <a:xfrm>
-            <a:off x="960119" y="2942252"/>
-            <a:ext cx="10266681" cy="3172409"/>
+            <a:off x="962658" y="2720100"/>
+            <a:ext cx="10266681" cy="3703799"/>
           </a:xfrm>
         </p:spPr>
         <p:txBody>
           <a:bodyPr>
-            <a:normAutofit/>
+            <a:noAutofit/>
           </a:bodyPr>
           <a:lstStyle/>
           <a:p>
-            <a:endParaRPr dirty="0"/>
+            <a:r>
+              <a:rPr lang="en-US" sz="3200" dirty="0">
+                <a:latin typeface="Arial" panose="020B0604020202020204" pitchFamily="34" charset="0"/>
+              </a:rPr>
+              <a:t>By creating a tool powered by a Python Flask API and includes HTML/CSS, JavaScript, and a Postgres database, the user can analyze the national data of school </a:t>
+            </a:r>
+            <a:r>
+              <a:rPr lang="en-US" sz="3200" b="0" i="0" dirty="0">
+                <a:effectLst/>
+                <a:latin typeface="Arial" panose="020B0604020202020204" pitchFamily="34" charset="0"/>
+              </a:rPr>
+              <a:t>shootings in the United States from 1999 to 2023. Considering the importance and reoccurrence of this issue, this tool is meant for public awareness.</a:t>
+            </a:r>
           </a:p>
         </p:txBody>
       </p:sp>
@@ -8660,8 +8672,13 @@
             </a:r>
             <a:r>
               <a:rPr lang="en-US" dirty="0"/>
-              <a:t> (Image- Slide 1)</a:t>
-            </a:r>
+              <a:t> (</a:t>
+            </a:r>
+            <a:r>
+              <a:rPr lang="en-US"/>
+              <a:t>Image- Slide 2)</a:t>
+            </a:r>
+            <a:endParaRPr lang="en-US" dirty="0"/>
           </a:p>
           <a:p>
             <a:endParaRPr dirty="0"/>

--- a/Powerpoint.pptx
+++ b/Powerpoint.pptx
@@ -204,7 +204,7 @@
           <a:p>
             <a:fld id="{A5C20BB3-3CCB-4FE5-991B-82F6BCB48AF3}" type="datetimeFigureOut">
               <a:rPr lang="en-US" smtClean="0"/>
-              <a:t>10/23/2023</a:t>
+              <a:t>10/24/2023</a:t>
             </a:fld>
             <a:endParaRPr lang="en-US"/>
           </a:p>
@@ -946,7 +946,7 @@
             <a:fld id="{3C633830-2244-49AE-BC4A-47F415C177C6}" type="datetimeFigureOut">
               <a:rPr lang="en-US" dirty="0"/>
               <a:pPr/>
-              <a:t>10/23/2023</a:t>
+              <a:t>10/24/2023</a:t>
             </a:fld>
             <a:endParaRPr lang="en-US" dirty="0"/>
           </a:p>
@@ -1194,7 +1194,7 @@
           <a:p>
             <a:fld id="{3C633830-2244-49AE-BC4A-47F415C177C6}" type="datetimeFigureOut">
               <a:rPr lang="en-US" dirty="0"/>
-              <a:t>10/23/2023</a:t>
+              <a:t>10/24/2023</a:t>
             </a:fld>
             <a:endParaRPr lang="en-US" dirty="0"/>
           </a:p>
@@ -1580,7 +1580,7 @@
           <a:p>
             <a:fld id="{3C633830-2244-49AE-BC4A-47F415C177C6}" type="datetimeFigureOut">
               <a:rPr lang="en-US" dirty="0"/>
-              <a:t>10/23/2023</a:t>
+              <a:t>10/24/2023</a:t>
             </a:fld>
             <a:endParaRPr lang="en-US" dirty="0"/>
           </a:p>
@@ -1809,7 +1809,7 @@
           <a:p>
             <a:fld id="{3C633830-2244-49AE-BC4A-47F415C177C6}" type="datetimeFigureOut">
               <a:rPr lang="en-US" dirty="0"/>
-              <a:t>10/23/2023</a:t>
+              <a:t>10/24/2023</a:t>
             </a:fld>
             <a:endParaRPr lang="en-US" dirty="0"/>
           </a:p>
@@ -2301,7 +2301,7 @@
             <a:fld id="{3C633830-2244-49AE-BC4A-47F415C177C6}" type="datetimeFigureOut">
               <a:rPr lang="en-US" dirty="0"/>
               <a:pPr/>
-              <a:t>10/23/2023</a:t>
+              <a:t>10/24/2023</a:t>
             </a:fld>
             <a:endParaRPr lang="en-US" dirty="0"/>
           </a:p>
@@ -2612,7 +2612,7 @@
           <a:p>
             <a:fld id="{3C633830-2244-49AE-BC4A-47F415C177C6}" type="datetimeFigureOut">
               <a:rPr lang="en-US" dirty="0"/>
-              <a:t>10/23/2023</a:t>
+              <a:t>10/24/2023</a:t>
             </a:fld>
             <a:endParaRPr lang="en-US" dirty="0"/>
           </a:p>
@@ -3003,7 +3003,7 @@
           <a:p>
             <a:fld id="{3C633830-2244-49AE-BC4A-47F415C177C6}" type="datetimeFigureOut">
               <a:rPr lang="en-US" dirty="0"/>
-              <a:t>10/23/2023</a:t>
+              <a:t>10/24/2023</a:t>
             </a:fld>
             <a:endParaRPr lang="en-US" dirty="0"/>
           </a:p>
@@ -3121,7 +3121,7 @@
           <a:p>
             <a:fld id="{3C633830-2244-49AE-BC4A-47F415C177C6}" type="datetimeFigureOut">
               <a:rPr lang="en-US" dirty="0"/>
-              <a:t>10/23/2023</a:t>
+              <a:t>10/24/2023</a:t>
             </a:fld>
             <a:endParaRPr lang="en-US" dirty="0"/>
           </a:p>
@@ -3216,7 +3216,7 @@
           <a:p>
             <a:fld id="{3C633830-2244-49AE-BC4A-47F415C177C6}" type="datetimeFigureOut">
               <a:rPr lang="en-US" dirty="0"/>
-              <a:t>10/23/2023</a:t>
+              <a:t>10/24/2023</a:t>
             </a:fld>
             <a:endParaRPr lang="en-US" dirty="0"/>
           </a:p>
@@ -3516,7 +3516,7 @@
           <a:p>
             <a:fld id="{3C633830-2244-49AE-BC4A-47F415C177C6}" type="datetimeFigureOut">
               <a:rPr lang="en-US" dirty="0"/>
-              <a:t>10/23/2023</a:t>
+              <a:t>10/24/2023</a:t>
             </a:fld>
             <a:endParaRPr lang="en-US" dirty="0"/>
           </a:p>
@@ -3781,7 +3781,7 @@
           <a:p>
             <a:fld id="{3C633830-2244-49AE-BC4A-47F415C177C6}" type="datetimeFigureOut">
               <a:rPr lang="en-US" dirty="0"/>
-              <a:t>10/23/2023</a:t>
+              <a:t>10/24/2023</a:t>
             </a:fld>
             <a:endParaRPr lang="en-US" dirty="0"/>
           </a:p>
@@ -4200,7 +4200,7 @@
             <a:fld id="{3C633830-2244-49AE-BC4A-47F415C177C6}" type="datetimeFigureOut">
               <a:rPr lang="en-US" dirty="0"/>
               <a:pPr/>
-              <a:t>10/23/2023</a:t>
+              <a:t>10/24/2023</a:t>
             </a:fld>
             <a:endParaRPr lang="en-US" dirty="0"/>
           </a:p>
@@ -6157,7 +6157,19 @@
               <a:rPr lang="en-US" sz="3200" dirty="0">
                 <a:latin typeface="Arial" panose="020B0604020202020204" pitchFamily="34" charset="0"/>
               </a:rPr>
-              <a:t>By creating a tool powered by a Python Flask API and includes HTML/CSS, JavaScript, and a Postgres database, the user can analyze the national data of school </a:t>
+              <a:t>By creating a tool powered by a Python Flask API, HTML/CSS, JavaScript, and a Postgres database, the user can </a:t>
+            </a:r>
+            <a:r>
+              <a:rPr lang="en-US" sz="3200">
+                <a:latin typeface="Arial" panose="020B0604020202020204" pitchFamily="34" charset="0"/>
+              </a:rPr>
+              <a:t>analyze the data </a:t>
+            </a:r>
+            <a:r>
+              <a:rPr lang="en-US" sz="3200" dirty="0">
+                <a:latin typeface="Arial" panose="020B0604020202020204" pitchFamily="34" charset="0"/>
+              </a:rPr>
+              <a:t>of school </a:t>
             </a:r>
             <a:r>
               <a:rPr lang="en-US" sz="3200" b="0" i="0" dirty="0">

--- a/Powerpoint.pptx
+++ b/Powerpoint.pptx
@@ -4714,12 +4714,41 @@
           <a:chExt cx="0" cy="0"/>
         </a:xfrm>
       </p:grpSpPr>
-      <p:sp useBgFill="1">
-        <p:nvSpPr>
-          <p:cNvPr id="9" name="Rectangle 8">
+      <p:pic>
+        <p:nvPicPr>
+          <p:cNvPr id="5" name="Picture 4" descr="A hand drawn object on a white background&#10;&#10;Description automatically generated">
             <a:extLst>
               <a:ext uri="{FF2B5EF4-FFF2-40B4-BE49-F238E27FC236}">
-                <a16:creationId xmlns:a16="http://schemas.microsoft.com/office/drawing/2014/main" id="{7865333E-6BF7-40FE-AC7D-EB8A0900AA91}"/>
+                <a16:creationId xmlns:a16="http://schemas.microsoft.com/office/drawing/2014/main" id="{2B0B5D5B-D3BE-71E0-C75E-DF901ECB4481}"/>
+              </a:ext>
+            </a:extLst>
+          </p:cNvPr>
+          <p:cNvPicPr>
+            <a:picLocks noChangeAspect="1"/>
+          </p:cNvPicPr>
+          <p:nvPr/>
+        </p:nvPicPr>
+        <p:blipFill rotWithShape="1">
+          <a:blip r:embed="rId2"/>
+          <a:srcRect t="23663" r="-1" b="24305"/>
+          <a:stretch/>
+        </p:blipFill>
+        <p:spPr>
+          <a:xfrm>
+            <a:off x="20" y="10"/>
+            <a:ext cx="12191980" cy="6857990"/>
+          </a:xfrm>
+          <a:prstGeom prst="rect">
+            <a:avLst/>
+          </a:prstGeom>
+        </p:spPr>
+      </p:pic>
+      <p:sp>
+        <p:nvSpPr>
+          <p:cNvPr id="18" name="Rectangle 17">
+            <a:extLst>
+              <a:ext uri="{FF2B5EF4-FFF2-40B4-BE49-F238E27FC236}">
+                <a16:creationId xmlns:a16="http://schemas.microsoft.com/office/drawing/2014/main" id="{946A7A1D-3D7F-400B-A579-64AA45406D25}"/>
               </a:ext>
               <a:ext uri="{C183D7F6-B498-43B3-948B-1728B52AA6E4}">
                 <adec:decorative xmlns:adec="http://schemas.microsoft.com/office/drawing/2017/decorative" val="1"/>
@@ -4739,12 +4768,26 @@
         </p:nvSpPr>
         <p:spPr bwMode="grayWhite">
           <a:xfrm>
-            <a:off x="0" y="0"/>
+            <a:off x="1" y="0"/>
             <a:ext cx="12191999" cy="6858000"/>
           </a:xfrm>
           <a:prstGeom prst="rect">
             <a:avLst/>
           </a:prstGeom>
+          <a:gradFill flip="none" rotWithShape="1">
+            <a:gsLst>
+              <a:gs pos="100000">
+                <a:schemeClr val="bg2">
+                  <a:alpha val="60000"/>
+                </a:schemeClr>
+              </a:gs>
+              <a:gs pos="30000">
+                <a:schemeClr val="bg2"/>
+              </a:gs>
+            </a:gsLst>
+            <a:lin ang="2400000" scaled="0"/>
+            <a:tileRect/>
+          </a:gradFill>
           <a:ln>
             <a:noFill/>
           </a:ln>
@@ -4786,18 +4829,18 @@
         </p:nvSpPr>
         <p:spPr>
           <a:xfrm>
-            <a:off x="2797126" y="2678464"/>
-            <a:ext cx="8832898" cy="3798420"/>
+            <a:off x="1088912" y="1143293"/>
+            <a:ext cx="7635987" cy="4268965"/>
           </a:xfrm>
         </p:spPr>
         <p:txBody>
-          <a:bodyPr anchor="t">
+          <a:bodyPr>
             <a:normAutofit/>
           </a:bodyPr>
           <a:lstStyle/>
           <a:p>
             <a:r>
-              <a:rPr lang="en-US" sz="8000" dirty="0"/>
+              <a:rPr lang="en-US"/>
               <a:t>Gun Violence IN America</a:t>
             </a:r>
           </a:p>
@@ -4815,251 +4858,34 @@
         </p:nvSpPr>
         <p:spPr>
           <a:xfrm>
-            <a:off x="2865120" y="5714883"/>
-            <a:ext cx="8832899" cy="1143117"/>
+            <a:off x="1088913" y="5537925"/>
+            <a:ext cx="7635985" cy="706355"/>
           </a:xfrm>
         </p:spPr>
         <p:txBody>
-          <a:bodyPr anchor="b">
+          <a:bodyPr>
             <a:normAutofit/>
           </a:bodyPr>
           <a:lstStyle/>
           <a:p>
+            <a:pPr>
+              <a:spcAft>
+                <a:spcPts val="600"/>
+              </a:spcAft>
+            </a:pPr>
             <a:r>
-              <a:rPr lang="en-US" sz="2400" dirty="0"/>
+              <a:rPr lang="en-US"/>
               <a:t>By: Amanda Cantu, David Rojas, Jaime Hutton and Jodee Harris</a:t>
             </a:r>
-            <a:endParaRPr sz="2400" dirty="0"/>
-          </a:p>
-        </p:txBody>
-      </p:sp>
-      <p:sp>
-        <p:nvSpPr>
-          <p:cNvPr id="11" name="Freeform 6">
+          </a:p>
+        </p:txBody>
+      </p:sp>
+      <p:cxnSp>
+        <p:nvCxnSpPr>
+          <p:cNvPr id="20" name="Straight Connector 19">
             <a:extLst>
               <a:ext uri="{FF2B5EF4-FFF2-40B4-BE49-F238E27FC236}">
-                <a16:creationId xmlns:a16="http://schemas.microsoft.com/office/drawing/2014/main" id="{C971C6CD-6DA8-4FDD-A89B-4B681DEABB53}"/>
-              </a:ext>
-              <a:ext uri="{C183D7F6-B498-43B3-948B-1728B52AA6E4}">
-                <adec:decorative xmlns:adec="http://schemas.microsoft.com/office/drawing/2017/decorative" val="1"/>
-              </a:ext>
-            </a:extLst>
-          </p:cNvPr>
-          <p:cNvSpPr>
-            <a:spLocks noGrp="1" noRot="1" noChangeAspect="1" noMove="1" noResize="1" noEditPoints="1" noAdjustHandles="1" noChangeArrowheads="1" noChangeShapeType="1" noTextEdit="1"/>
-          </p:cNvSpPr>
-          <p:nvPr>
-            <p:extLst>
-              <p:ext uri="{386F3935-93C4-4BCD-93E2-E3B085C9AB24}">
-                <p16:designElem xmlns:p16="http://schemas.microsoft.com/office/powerpoint/2015/main" val="1"/>
-              </p:ext>
-            </p:extLst>
-          </p:nvPr>
-        </p:nvSpPr>
-        <p:spPr bwMode="auto">
-          <a:xfrm>
-            <a:off x="11784011" y="514572"/>
-            <a:ext cx="407988" cy="819150"/>
-          </a:xfrm>
-          <a:custGeom>
-            <a:avLst/>
-            <a:gdLst/>
-            <a:ahLst/>
-            <a:cxnLst/>
-            <a:rect l="0" t="0" r="r" b="b"/>
-            <a:pathLst>
-              <a:path w="1799" h="3612">
-                <a:moveTo>
-                  <a:pt x="1799" y="0"/>
-                </a:moveTo>
-                <a:lnTo>
-                  <a:pt x="1799" y="3612"/>
-                </a:lnTo>
-                <a:lnTo>
-                  <a:pt x="1686" y="3609"/>
-                </a:lnTo>
-                <a:lnTo>
-                  <a:pt x="1574" y="3598"/>
-                </a:lnTo>
-                <a:lnTo>
-                  <a:pt x="1464" y="3581"/>
-                </a:lnTo>
-                <a:lnTo>
-                  <a:pt x="1357" y="3557"/>
-                </a:lnTo>
-                <a:lnTo>
-                  <a:pt x="1251" y="3527"/>
-                </a:lnTo>
-                <a:lnTo>
-                  <a:pt x="1150" y="3490"/>
-                </a:lnTo>
-                <a:lnTo>
-                  <a:pt x="1050" y="3448"/>
-                </a:lnTo>
-                <a:lnTo>
-                  <a:pt x="953" y="3401"/>
-                </a:lnTo>
-                <a:lnTo>
-                  <a:pt x="860" y="3347"/>
-                </a:lnTo>
-                <a:lnTo>
-                  <a:pt x="771" y="3289"/>
-                </a:lnTo>
-                <a:lnTo>
-                  <a:pt x="686" y="3224"/>
-                </a:lnTo>
-                <a:lnTo>
-                  <a:pt x="604" y="3156"/>
-                </a:lnTo>
-                <a:lnTo>
-                  <a:pt x="527" y="3083"/>
-                </a:lnTo>
-                <a:lnTo>
-                  <a:pt x="454" y="3005"/>
-                </a:lnTo>
-                <a:lnTo>
-                  <a:pt x="386" y="2923"/>
-                </a:lnTo>
-                <a:lnTo>
-                  <a:pt x="323" y="2838"/>
-                </a:lnTo>
-                <a:lnTo>
-                  <a:pt x="265" y="2748"/>
-                </a:lnTo>
-                <a:lnTo>
-                  <a:pt x="211" y="2655"/>
-                </a:lnTo>
-                <a:lnTo>
-                  <a:pt x="163" y="2559"/>
-                </a:lnTo>
-                <a:lnTo>
-                  <a:pt x="121" y="2459"/>
-                </a:lnTo>
-                <a:lnTo>
-                  <a:pt x="85" y="2356"/>
-                </a:lnTo>
-                <a:lnTo>
-                  <a:pt x="55" y="2251"/>
-                </a:lnTo>
-                <a:lnTo>
-                  <a:pt x="32" y="2143"/>
-                </a:lnTo>
-                <a:lnTo>
-                  <a:pt x="14" y="2033"/>
-                </a:lnTo>
-                <a:lnTo>
-                  <a:pt x="4" y="1920"/>
-                </a:lnTo>
-                <a:lnTo>
-                  <a:pt x="0" y="1806"/>
-                </a:lnTo>
-                <a:lnTo>
-                  <a:pt x="4" y="1692"/>
-                </a:lnTo>
-                <a:lnTo>
-                  <a:pt x="14" y="1580"/>
-                </a:lnTo>
-                <a:lnTo>
-                  <a:pt x="32" y="1469"/>
-                </a:lnTo>
-                <a:lnTo>
-                  <a:pt x="55" y="1362"/>
-                </a:lnTo>
-                <a:lnTo>
-                  <a:pt x="85" y="1256"/>
-                </a:lnTo>
-                <a:lnTo>
-                  <a:pt x="121" y="1154"/>
-                </a:lnTo>
-                <a:lnTo>
-                  <a:pt x="163" y="1054"/>
-                </a:lnTo>
-                <a:lnTo>
-                  <a:pt x="211" y="958"/>
-                </a:lnTo>
-                <a:lnTo>
-                  <a:pt x="265" y="864"/>
-                </a:lnTo>
-                <a:lnTo>
-                  <a:pt x="323" y="774"/>
-                </a:lnTo>
-                <a:lnTo>
-                  <a:pt x="386" y="689"/>
-                </a:lnTo>
-                <a:lnTo>
-                  <a:pt x="454" y="607"/>
-                </a:lnTo>
-                <a:lnTo>
-                  <a:pt x="527" y="529"/>
-                </a:lnTo>
-                <a:lnTo>
-                  <a:pt x="604" y="456"/>
-                </a:lnTo>
-                <a:lnTo>
-                  <a:pt x="686" y="388"/>
-                </a:lnTo>
-                <a:lnTo>
-                  <a:pt x="771" y="325"/>
-                </a:lnTo>
-                <a:lnTo>
-                  <a:pt x="860" y="266"/>
-                </a:lnTo>
-                <a:lnTo>
-                  <a:pt x="953" y="212"/>
-                </a:lnTo>
-                <a:lnTo>
-                  <a:pt x="1050" y="164"/>
-                </a:lnTo>
-                <a:lnTo>
-                  <a:pt x="1150" y="122"/>
-                </a:lnTo>
-                <a:lnTo>
-                  <a:pt x="1251" y="85"/>
-                </a:lnTo>
-                <a:lnTo>
-                  <a:pt x="1357" y="55"/>
-                </a:lnTo>
-                <a:lnTo>
-                  <a:pt x="1464" y="32"/>
-                </a:lnTo>
-                <a:lnTo>
-                  <a:pt x="1574" y="14"/>
-                </a:lnTo>
-                <a:lnTo>
-                  <a:pt x="1686" y="5"/>
-                </a:lnTo>
-                <a:lnTo>
-                  <a:pt x="1799" y="0"/>
-                </a:lnTo>
-                <a:close/>
-              </a:path>
-            </a:pathLst>
-          </a:custGeom>
-          <a:solidFill>
-            <a:schemeClr val="tx2"/>
-          </a:solidFill>
-          <a:ln w="0">
-            <a:noFill/>
-            <a:prstDash val="solid"/>
-            <a:round/>
-            <a:headEnd/>
-            <a:tailEnd/>
-          </a:ln>
-        </p:spPr>
-        <p:txBody>
-          <a:bodyPr/>
-          <a:lstStyle/>
-          <a:p>
-            <a:endParaRPr lang="en-US"/>
-          </a:p>
-        </p:txBody>
-      </p:sp>
-      <p:cxnSp>
-        <p:nvCxnSpPr>
-          <p:cNvPr id="13" name="Straight Connector 12">
-            <a:extLst>
-              <a:ext uri="{FF2B5EF4-FFF2-40B4-BE49-F238E27FC236}">
-                <a16:creationId xmlns:a16="http://schemas.microsoft.com/office/drawing/2014/main" id="{ED3CBB7D-B825-489C-9789-70D05A25CF6F}"/>
+                <a16:creationId xmlns:a16="http://schemas.microsoft.com/office/drawing/2014/main" id="{0BCE4FFE-9918-4AF9-975B-1AAC44E67D7B}"/>
               </a:ext>
               <a:ext uri="{C183D7F6-B498-43B3-948B-1728B52AA6E4}">
                 <adec:decorative xmlns:adec="http://schemas.microsoft.com/office/drawing/2017/decorative" val="1"/>
@@ -5079,8 +4905,8 @@
         </p:nvCxnSpPr>
         <p:spPr>
           <a:xfrm>
-            <a:off x="2865120" y="2519131"/>
-            <a:ext cx="9326880" cy="0"/>
+            <a:off x="773855" y="1257300"/>
+            <a:ext cx="0" cy="5600700"/>
           </a:xfrm>
           <a:prstGeom prst="line">
             <a:avLst/>
@@ -5106,6 +4932,227 @@
           </a:fontRef>
         </p:style>
       </p:cxnSp>
+      <p:sp>
+        <p:nvSpPr>
+          <p:cNvPr id="22" name="Freeform 6">
+            <a:extLst>
+              <a:ext uri="{FF2B5EF4-FFF2-40B4-BE49-F238E27FC236}">
+                <a16:creationId xmlns:a16="http://schemas.microsoft.com/office/drawing/2014/main" id="{C38C875F-6627-4E12-BFE4-18E6A64F15AB}"/>
+              </a:ext>
+              <a:ext uri="{C183D7F6-B498-43B3-948B-1728B52AA6E4}">
+                <adec:decorative xmlns:adec="http://schemas.microsoft.com/office/drawing/2017/decorative" val="1"/>
+              </a:ext>
+            </a:extLst>
+          </p:cNvPr>
+          <p:cNvSpPr>
+            <a:spLocks noGrp="1" noRot="1" noChangeAspect="1" noMove="1" noResize="1" noEditPoints="1" noAdjustHandles="1" noChangeArrowheads="1" noChangeShapeType="1" noTextEdit="1"/>
+          </p:cNvSpPr>
+          <p:nvPr>
+            <p:extLst>
+              <p:ext uri="{386F3935-93C4-4BCD-93E2-E3B085C9AB24}">
+                <p16:designElem xmlns:p16="http://schemas.microsoft.com/office/powerpoint/2015/main" val="1"/>
+              </p:ext>
+            </p:extLst>
+          </p:nvPr>
+        </p:nvSpPr>
+        <p:spPr bwMode="auto">
+          <a:xfrm>
+            <a:off x="11784011" y="1189204"/>
+            <a:ext cx="407988" cy="819150"/>
+          </a:xfrm>
+          <a:custGeom>
+            <a:avLst/>
+            <a:gdLst/>
+            <a:ahLst/>
+            <a:cxnLst/>
+            <a:rect l="0" t="0" r="r" b="b"/>
+            <a:pathLst>
+              <a:path w="1799" h="3612">
+                <a:moveTo>
+                  <a:pt x="1799" y="0"/>
+                </a:moveTo>
+                <a:lnTo>
+                  <a:pt x="1799" y="3612"/>
+                </a:lnTo>
+                <a:lnTo>
+                  <a:pt x="1686" y="3609"/>
+                </a:lnTo>
+                <a:lnTo>
+                  <a:pt x="1574" y="3598"/>
+                </a:lnTo>
+                <a:lnTo>
+                  <a:pt x="1464" y="3581"/>
+                </a:lnTo>
+                <a:lnTo>
+                  <a:pt x="1357" y="3557"/>
+                </a:lnTo>
+                <a:lnTo>
+                  <a:pt x="1251" y="3527"/>
+                </a:lnTo>
+                <a:lnTo>
+                  <a:pt x="1150" y="3490"/>
+                </a:lnTo>
+                <a:lnTo>
+                  <a:pt x="1050" y="3448"/>
+                </a:lnTo>
+                <a:lnTo>
+                  <a:pt x="953" y="3401"/>
+                </a:lnTo>
+                <a:lnTo>
+                  <a:pt x="860" y="3347"/>
+                </a:lnTo>
+                <a:lnTo>
+                  <a:pt x="771" y="3289"/>
+                </a:lnTo>
+                <a:lnTo>
+                  <a:pt x="686" y="3224"/>
+                </a:lnTo>
+                <a:lnTo>
+                  <a:pt x="604" y="3156"/>
+                </a:lnTo>
+                <a:lnTo>
+                  <a:pt x="527" y="3083"/>
+                </a:lnTo>
+                <a:lnTo>
+                  <a:pt x="454" y="3005"/>
+                </a:lnTo>
+                <a:lnTo>
+                  <a:pt x="386" y="2923"/>
+                </a:lnTo>
+                <a:lnTo>
+                  <a:pt x="323" y="2838"/>
+                </a:lnTo>
+                <a:lnTo>
+                  <a:pt x="265" y="2748"/>
+                </a:lnTo>
+                <a:lnTo>
+                  <a:pt x="211" y="2655"/>
+                </a:lnTo>
+                <a:lnTo>
+                  <a:pt x="163" y="2559"/>
+                </a:lnTo>
+                <a:lnTo>
+                  <a:pt x="121" y="2459"/>
+                </a:lnTo>
+                <a:lnTo>
+                  <a:pt x="85" y="2356"/>
+                </a:lnTo>
+                <a:lnTo>
+                  <a:pt x="55" y="2251"/>
+                </a:lnTo>
+                <a:lnTo>
+                  <a:pt x="32" y="2143"/>
+                </a:lnTo>
+                <a:lnTo>
+                  <a:pt x="14" y="2033"/>
+                </a:lnTo>
+                <a:lnTo>
+                  <a:pt x="4" y="1920"/>
+                </a:lnTo>
+                <a:lnTo>
+                  <a:pt x="0" y="1806"/>
+                </a:lnTo>
+                <a:lnTo>
+                  <a:pt x="4" y="1692"/>
+                </a:lnTo>
+                <a:lnTo>
+                  <a:pt x="14" y="1580"/>
+                </a:lnTo>
+                <a:lnTo>
+                  <a:pt x="32" y="1469"/>
+                </a:lnTo>
+                <a:lnTo>
+                  <a:pt x="55" y="1362"/>
+                </a:lnTo>
+                <a:lnTo>
+                  <a:pt x="85" y="1256"/>
+                </a:lnTo>
+                <a:lnTo>
+                  <a:pt x="121" y="1154"/>
+                </a:lnTo>
+                <a:lnTo>
+                  <a:pt x="163" y="1054"/>
+                </a:lnTo>
+                <a:lnTo>
+                  <a:pt x="211" y="958"/>
+                </a:lnTo>
+                <a:lnTo>
+                  <a:pt x="265" y="864"/>
+                </a:lnTo>
+                <a:lnTo>
+                  <a:pt x="323" y="774"/>
+                </a:lnTo>
+                <a:lnTo>
+                  <a:pt x="386" y="689"/>
+                </a:lnTo>
+                <a:lnTo>
+                  <a:pt x="454" y="607"/>
+                </a:lnTo>
+                <a:lnTo>
+                  <a:pt x="527" y="529"/>
+                </a:lnTo>
+                <a:lnTo>
+                  <a:pt x="604" y="456"/>
+                </a:lnTo>
+                <a:lnTo>
+                  <a:pt x="686" y="388"/>
+                </a:lnTo>
+                <a:lnTo>
+                  <a:pt x="771" y="325"/>
+                </a:lnTo>
+                <a:lnTo>
+                  <a:pt x="860" y="266"/>
+                </a:lnTo>
+                <a:lnTo>
+                  <a:pt x="953" y="212"/>
+                </a:lnTo>
+                <a:lnTo>
+                  <a:pt x="1050" y="164"/>
+                </a:lnTo>
+                <a:lnTo>
+                  <a:pt x="1150" y="122"/>
+                </a:lnTo>
+                <a:lnTo>
+                  <a:pt x="1251" y="85"/>
+                </a:lnTo>
+                <a:lnTo>
+                  <a:pt x="1357" y="55"/>
+                </a:lnTo>
+                <a:lnTo>
+                  <a:pt x="1464" y="32"/>
+                </a:lnTo>
+                <a:lnTo>
+                  <a:pt x="1574" y="14"/>
+                </a:lnTo>
+                <a:lnTo>
+                  <a:pt x="1686" y="5"/>
+                </a:lnTo>
+                <a:lnTo>
+                  <a:pt x="1799" y="0"/>
+                </a:lnTo>
+                <a:close/>
+              </a:path>
+            </a:pathLst>
+          </a:custGeom>
+          <a:solidFill>
+            <a:schemeClr val="tx2"/>
+          </a:solidFill>
+          <a:ln w="0">
+            <a:noFill/>
+            <a:prstDash val="solid"/>
+            <a:round/>
+            <a:headEnd/>
+            <a:tailEnd/>
+          </a:ln>
+        </p:spPr>
+        <p:txBody>
+          <a:bodyPr/>
+          <a:lstStyle/>
+          <a:p>
+            <a:endParaRPr lang="en-US"/>
+          </a:p>
+        </p:txBody>
+      </p:sp>
     </p:spTree>
     <p:extLst>
       <p:ext uri="{BB962C8B-B14F-4D97-AF65-F5344CB8AC3E}">
@@ -5146,10 +5193,10 @@
       </p:grpSpPr>
       <p:sp useBgFill="1">
         <p:nvSpPr>
-          <p:cNvPr id="9" name="Rectangle 8">
+          <p:cNvPr id="29" name="Rectangle 28">
             <a:extLst>
               <a:ext uri="{FF2B5EF4-FFF2-40B4-BE49-F238E27FC236}">
-                <a16:creationId xmlns:a16="http://schemas.microsoft.com/office/drawing/2014/main" id="{4281BC32-FF58-4898-A6B5-7B3D059BCEB0}"/>
+                <a16:creationId xmlns:a16="http://schemas.microsoft.com/office/drawing/2014/main" id="{2A0E4E09-FC02-4ADC-951A-3FFA90B6FE39}"/>
               </a:ext>
               <a:ext uri="{C183D7F6-B498-43B3-948B-1728B52AA6E4}">
                 <adec:decorative xmlns:adec="http://schemas.microsoft.com/office/drawing/2017/decorative" val="1"/>
@@ -5169,8 +5216,8 @@
         </p:nvSpPr>
         <p:spPr>
           <a:xfrm>
-            <a:off x="0" y="0"/>
-            <a:ext cx="12192000" cy="6858000"/>
+            <a:off x="305" y="0"/>
+            <a:ext cx="12191695" cy="6858000"/>
           </a:xfrm>
           <a:prstGeom prst="rect">
             <a:avLst/>
@@ -5206,10 +5253,44 @@
       </p:sp>
       <p:sp>
         <p:nvSpPr>
-          <p:cNvPr id="11" name="Rectangle 10">
+          <p:cNvPr id="2" name="Title 1"/>
+          <p:cNvSpPr>
+            <a:spLocks noGrp="1"/>
+          </p:cNvSpPr>
+          <p:nvPr>
+            <p:ph type="title"/>
+          </p:nvPr>
+        </p:nvSpPr>
+        <p:spPr>
+          <a:xfrm>
+            <a:off x="762004" y="633779"/>
+            <a:ext cx="5443665" cy="2068478"/>
+          </a:xfrm>
+        </p:spPr>
+        <p:txBody>
+          <a:bodyPr>
+            <a:normAutofit/>
+          </a:bodyPr>
+          <a:lstStyle/>
+          <a:p>
+            <a:pPr algn="l"/>
+            <a:r>
+              <a:rPr lang="en-US" sz="6000" u="sng" dirty="0">
+                <a:solidFill>
+                  <a:schemeClr val="tx1"/>
+                </a:solidFill>
+              </a:rPr>
+              <a:t>Contents</a:t>
+            </a:r>
+          </a:p>
+        </p:txBody>
+      </p:sp>
+      <p:sp>
+        <p:nvSpPr>
+          <p:cNvPr id="31" name="Freeform 6">
             <a:extLst>
               <a:ext uri="{FF2B5EF4-FFF2-40B4-BE49-F238E27FC236}">
-                <a16:creationId xmlns:a16="http://schemas.microsoft.com/office/drawing/2014/main" id="{0D614406-135F-4875-9C87-53822CB19ABB}"/>
+                <a16:creationId xmlns:a16="http://schemas.microsoft.com/office/drawing/2014/main" id="{D3686B33-4E07-4542-8F02-1876C8359B8D}"/>
               </a:ext>
               <a:ext uri="{C183D7F6-B498-43B3-948B-1728B52AA6E4}">
                 <adec:decorative xmlns:adec="http://schemas.microsoft.com/office/drawing/2017/decorative" val="1"/>
@@ -5227,14 +5308,533 @@
             </p:extLst>
           </p:nvPr>
         </p:nvSpPr>
+        <p:spPr bwMode="auto">
+          <a:xfrm flipH="1">
+            <a:off x="1" y="5380579"/>
+            <a:ext cx="407988" cy="819150"/>
+          </a:xfrm>
+          <a:custGeom>
+            <a:avLst/>
+            <a:gdLst/>
+            <a:ahLst/>
+            <a:cxnLst/>
+            <a:rect l="0" t="0" r="r" b="b"/>
+            <a:pathLst>
+              <a:path w="1799" h="3612">
+                <a:moveTo>
+                  <a:pt x="1799" y="0"/>
+                </a:moveTo>
+                <a:lnTo>
+                  <a:pt x="1799" y="3612"/>
+                </a:lnTo>
+                <a:lnTo>
+                  <a:pt x="1686" y="3609"/>
+                </a:lnTo>
+                <a:lnTo>
+                  <a:pt x="1574" y="3598"/>
+                </a:lnTo>
+                <a:lnTo>
+                  <a:pt x="1464" y="3581"/>
+                </a:lnTo>
+                <a:lnTo>
+                  <a:pt x="1357" y="3557"/>
+                </a:lnTo>
+                <a:lnTo>
+                  <a:pt x="1251" y="3527"/>
+                </a:lnTo>
+                <a:lnTo>
+                  <a:pt x="1150" y="3490"/>
+                </a:lnTo>
+                <a:lnTo>
+                  <a:pt x="1050" y="3448"/>
+                </a:lnTo>
+                <a:lnTo>
+                  <a:pt x="953" y="3401"/>
+                </a:lnTo>
+                <a:lnTo>
+                  <a:pt x="860" y="3347"/>
+                </a:lnTo>
+                <a:lnTo>
+                  <a:pt x="771" y="3289"/>
+                </a:lnTo>
+                <a:lnTo>
+                  <a:pt x="686" y="3224"/>
+                </a:lnTo>
+                <a:lnTo>
+                  <a:pt x="604" y="3156"/>
+                </a:lnTo>
+                <a:lnTo>
+                  <a:pt x="527" y="3083"/>
+                </a:lnTo>
+                <a:lnTo>
+                  <a:pt x="454" y="3005"/>
+                </a:lnTo>
+                <a:lnTo>
+                  <a:pt x="386" y="2923"/>
+                </a:lnTo>
+                <a:lnTo>
+                  <a:pt x="323" y="2838"/>
+                </a:lnTo>
+                <a:lnTo>
+                  <a:pt x="265" y="2748"/>
+                </a:lnTo>
+                <a:lnTo>
+                  <a:pt x="211" y="2655"/>
+                </a:lnTo>
+                <a:lnTo>
+                  <a:pt x="163" y="2559"/>
+                </a:lnTo>
+                <a:lnTo>
+                  <a:pt x="121" y="2459"/>
+                </a:lnTo>
+                <a:lnTo>
+                  <a:pt x="85" y="2356"/>
+                </a:lnTo>
+                <a:lnTo>
+                  <a:pt x="55" y="2251"/>
+                </a:lnTo>
+                <a:lnTo>
+                  <a:pt x="32" y="2143"/>
+                </a:lnTo>
+                <a:lnTo>
+                  <a:pt x="14" y="2033"/>
+                </a:lnTo>
+                <a:lnTo>
+                  <a:pt x="4" y="1920"/>
+                </a:lnTo>
+                <a:lnTo>
+                  <a:pt x="0" y="1806"/>
+                </a:lnTo>
+                <a:lnTo>
+                  <a:pt x="4" y="1692"/>
+                </a:lnTo>
+                <a:lnTo>
+                  <a:pt x="14" y="1580"/>
+                </a:lnTo>
+                <a:lnTo>
+                  <a:pt x="32" y="1469"/>
+                </a:lnTo>
+                <a:lnTo>
+                  <a:pt x="55" y="1362"/>
+                </a:lnTo>
+                <a:lnTo>
+                  <a:pt x="85" y="1256"/>
+                </a:lnTo>
+                <a:lnTo>
+                  <a:pt x="121" y="1154"/>
+                </a:lnTo>
+                <a:lnTo>
+                  <a:pt x="163" y="1054"/>
+                </a:lnTo>
+                <a:lnTo>
+                  <a:pt x="211" y="958"/>
+                </a:lnTo>
+                <a:lnTo>
+                  <a:pt x="265" y="864"/>
+                </a:lnTo>
+                <a:lnTo>
+                  <a:pt x="323" y="774"/>
+                </a:lnTo>
+                <a:lnTo>
+                  <a:pt x="386" y="689"/>
+                </a:lnTo>
+                <a:lnTo>
+                  <a:pt x="454" y="607"/>
+                </a:lnTo>
+                <a:lnTo>
+                  <a:pt x="527" y="529"/>
+                </a:lnTo>
+                <a:lnTo>
+                  <a:pt x="604" y="456"/>
+                </a:lnTo>
+                <a:lnTo>
+                  <a:pt x="686" y="388"/>
+                </a:lnTo>
+                <a:lnTo>
+                  <a:pt x="771" y="325"/>
+                </a:lnTo>
+                <a:lnTo>
+                  <a:pt x="860" y="266"/>
+                </a:lnTo>
+                <a:lnTo>
+                  <a:pt x="953" y="212"/>
+                </a:lnTo>
+                <a:lnTo>
+                  <a:pt x="1050" y="164"/>
+                </a:lnTo>
+                <a:lnTo>
+                  <a:pt x="1150" y="122"/>
+                </a:lnTo>
+                <a:lnTo>
+                  <a:pt x="1251" y="85"/>
+                </a:lnTo>
+                <a:lnTo>
+                  <a:pt x="1357" y="55"/>
+                </a:lnTo>
+                <a:lnTo>
+                  <a:pt x="1464" y="32"/>
+                </a:lnTo>
+                <a:lnTo>
+                  <a:pt x="1574" y="14"/>
+                </a:lnTo>
+                <a:lnTo>
+                  <a:pt x="1686" y="5"/>
+                </a:lnTo>
+                <a:lnTo>
+                  <a:pt x="1799" y="0"/>
+                </a:lnTo>
+                <a:close/>
+              </a:path>
+            </a:pathLst>
+          </a:custGeom>
+          <a:solidFill>
+            <a:schemeClr val="tx2"/>
+          </a:solidFill>
+          <a:ln w="0">
+            <a:noFill/>
+            <a:prstDash val="solid"/>
+            <a:round/>
+            <a:headEnd/>
+            <a:tailEnd/>
+          </a:ln>
+        </p:spPr>
+        <p:txBody>
+          <a:bodyPr/>
+          <a:lstStyle/>
+          <a:p>
+            <a:endParaRPr lang="en-US"/>
+          </a:p>
+        </p:txBody>
+      </p:sp>
+      <p:sp>
+        <p:nvSpPr>
+          <p:cNvPr id="3" name="Content Placeholder 2"/>
+          <p:cNvSpPr>
+            <a:spLocks noGrp="1"/>
+          </p:cNvSpPr>
+          <p:nvPr>
+            <p:ph type="body" idx="1"/>
+          </p:nvPr>
+        </p:nvSpPr>
         <p:spPr>
           <a:xfrm>
-            <a:off x="0" y="0"/>
-            <a:ext cx="12191999" cy="2285999"/>
+            <a:off x="561442" y="1953987"/>
+            <a:ext cx="5844787" cy="3583214"/>
           </a:xfrm>
-          <a:prstGeom prst="rect">
+        </p:spPr>
+        <p:txBody>
+          <a:bodyPr>
+            <a:normAutofit/>
+          </a:bodyPr>
+          <a:lstStyle/>
+          <a:p>
+            <a:r>
+              <a:rPr lang="en-US" sz="3200" dirty="0">
+                <a:solidFill>
+                  <a:schemeClr val="tx1"/>
+                </a:solidFill>
+              </a:rPr>
+              <a:t>Purpose Statement</a:t>
+            </a:r>
+          </a:p>
+          <a:p>
+            <a:r>
+              <a:rPr lang="en-US" sz="3200" dirty="0">
+                <a:solidFill>
+                  <a:schemeClr val="tx1"/>
+                </a:solidFill>
+              </a:rPr>
+              <a:t>Database</a:t>
+            </a:r>
+          </a:p>
+          <a:p>
+            <a:r>
+              <a:rPr lang="en-US" sz="3200" dirty="0">
+                <a:solidFill>
+                  <a:schemeClr val="tx1"/>
+                </a:solidFill>
+              </a:rPr>
+              <a:t>HTML</a:t>
+            </a:r>
+          </a:p>
+          <a:p>
+            <a:r>
+              <a:rPr lang="en-US" sz="3200" dirty="0">
+                <a:solidFill>
+                  <a:schemeClr val="tx1"/>
+                </a:solidFill>
+              </a:rPr>
+              <a:t>Python Flask API</a:t>
+            </a:r>
+          </a:p>
+          <a:p>
+            <a:r>
+              <a:rPr lang="en-US" sz="3200" dirty="0">
+                <a:solidFill>
+                  <a:schemeClr val="tx1"/>
+                </a:solidFill>
+              </a:rPr>
+              <a:t>JavaScript </a:t>
+            </a:r>
+            <a:r>
+              <a:rPr lang="en-US" sz="3200" dirty="0" err="1">
+                <a:solidFill>
+                  <a:schemeClr val="tx1"/>
+                </a:solidFill>
+              </a:rPr>
+              <a:t>GeoJson</a:t>
+            </a:r>
+            <a:r>
+              <a:rPr lang="en-US" sz="3200" dirty="0">
+                <a:solidFill>
+                  <a:schemeClr val="tx1"/>
+                </a:solidFill>
+              </a:rPr>
+              <a:t> with Leaflet</a:t>
+            </a:r>
+          </a:p>
+        </p:txBody>
+      </p:sp>
+      <p:sp>
+        <p:nvSpPr>
+          <p:cNvPr id="33" name="Freeform: Shape 32">
+            <a:extLst>
+              <a:ext uri="{FF2B5EF4-FFF2-40B4-BE49-F238E27FC236}">
+                <a16:creationId xmlns:a16="http://schemas.microsoft.com/office/drawing/2014/main" id="{5D44B584-65A7-4029-A075-505AA5EAEBB6}"/>
+              </a:ext>
+              <a:ext uri="{C183D7F6-B498-43B3-948B-1728B52AA6E4}">
+                <adec:decorative xmlns:adec="http://schemas.microsoft.com/office/drawing/2017/decorative" val="1"/>
+              </a:ext>
+            </a:extLst>
+          </p:cNvPr>
+          <p:cNvSpPr>
+            <a:spLocks noGrp="1" noRot="1" noChangeAspect="1" noMove="1" noResize="1" noEditPoints="1" noAdjustHandles="1" noChangeArrowheads="1" noChangeShapeType="1" noTextEdit="1"/>
+          </p:cNvSpPr>
+          <p:nvPr>
+            <p:extLst>
+              <p:ext uri="{386F3935-93C4-4BCD-93E2-E3B085C9AB24}">
+                <p16:designElem xmlns:p16="http://schemas.microsoft.com/office/powerpoint/2015/main" val="1"/>
+              </p:ext>
+            </p:extLst>
+          </p:nvPr>
+        </p:nvSpPr>
+        <p:spPr>
+          <a:xfrm flipH="1">
+            <a:off x="6748333" y="0"/>
+            <a:ext cx="5443666" cy="6858000"/>
+          </a:xfrm>
+          <a:custGeom>
             <a:avLst/>
-          </a:prstGeom>
+            <a:gdLst>
+              <a:gd name="connsiteX0" fmla="*/ 0 w 5443666"/>
+              <a:gd name="connsiteY0" fmla="*/ 0 h 6845983"/>
+              <a:gd name="connsiteX1" fmla="*/ 3595564 w 5443666"/>
+              <a:gd name="connsiteY1" fmla="*/ 0 h 6845983"/>
+              <a:gd name="connsiteX2" fmla="*/ 3746607 w 5443666"/>
+              <a:gd name="connsiteY2" fmla="*/ 118697 h 6845983"/>
+              <a:gd name="connsiteX3" fmla="*/ 5443666 w 5443666"/>
+              <a:gd name="connsiteY3" fmla="*/ 3717234 h 6845983"/>
+              <a:gd name="connsiteX4" fmla="*/ 4378763 w 5443666"/>
+              <a:gd name="connsiteY4" fmla="*/ 6683615 h 6845983"/>
+              <a:gd name="connsiteX5" fmla="*/ 4238117 w 5443666"/>
+              <a:gd name="connsiteY5" fmla="*/ 6845983 h 6845983"/>
+              <a:gd name="connsiteX6" fmla="*/ 0 w 5443666"/>
+              <a:gd name="connsiteY6" fmla="*/ 6845983 h 6845983"/>
+            </a:gdLst>
+            <a:ahLst/>
+            <a:cxnLst>
+              <a:cxn ang="0">
+                <a:pos x="connsiteX0" y="connsiteY0"/>
+              </a:cxn>
+              <a:cxn ang="0">
+                <a:pos x="connsiteX1" y="connsiteY1"/>
+              </a:cxn>
+              <a:cxn ang="0">
+                <a:pos x="connsiteX2" y="connsiteY2"/>
+              </a:cxn>
+              <a:cxn ang="0">
+                <a:pos x="connsiteX3" y="connsiteY3"/>
+              </a:cxn>
+              <a:cxn ang="0">
+                <a:pos x="connsiteX4" y="connsiteY4"/>
+              </a:cxn>
+              <a:cxn ang="0">
+                <a:pos x="connsiteX5" y="connsiteY5"/>
+              </a:cxn>
+              <a:cxn ang="0">
+                <a:pos x="connsiteX6" y="connsiteY6"/>
+              </a:cxn>
+            </a:cxnLst>
+            <a:rect l="l" t="t" r="r" b="b"/>
+            <a:pathLst>
+              <a:path w="5443666" h="6845983">
+                <a:moveTo>
+                  <a:pt x="0" y="0"/>
+                </a:moveTo>
+                <a:lnTo>
+                  <a:pt x="3595564" y="0"/>
+                </a:lnTo>
+                <a:lnTo>
+                  <a:pt x="3746607" y="118697"/>
+                </a:lnTo>
+                <a:cubicBezTo>
+                  <a:pt x="4783044" y="974041"/>
+                  <a:pt x="5443666" y="2268489"/>
+                  <a:pt x="5443666" y="3717234"/>
+                </a:cubicBezTo>
+                <a:cubicBezTo>
+                  <a:pt x="5443666" y="4844036"/>
+                  <a:pt x="5044030" y="5877498"/>
+                  <a:pt x="4378763" y="6683615"/>
+                </a:cubicBezTo>
+                <a:lnTo>
+                  <a:pt x="4238117" y="6845983"/>
+                </a:lnTo>
+                <a:lnTo>
+                  <a:pt x="0" y="6845983"/>
+                </a:lnTo>
+                <a:close/>
+              </a:path>
+            </a:pathLst>
+          </a:custGeom>
+          <a:solidFill>
+            <a:schemeClr val="tx1">
+              <a:alpha val="80000"/>
+            </a:schemeClr>
+          </a:solidFill>
+          <a:ln>
+            <a:noFill/>
+          </a:ln>
+        </p:spPr>
+        <p:style>
+          <a:lnRef idx="2">
+            <a:schemeClr val="accent1">
+              <a:shade val="50000"/>
+            </a:schemeClr>
+          </a:lnRef>
+          <a:fillRef idx="1">
+            <a:schemeClr val="accent1"/>
+          </a:fillRef>
+          <a:effectRef idx="0">
+            <a:schemeClr val="accent1"/>
+          </a:effectRef>
+          <a:fontRef idx="minor">
+            <a:schemeClr val="lt1"/>
+          </a:fontRef>
+        </p:style>
+        <p:txBody>
+          <a:bodyPr wrap="square" rtlCol="0" anchor="ctr">
+            <a:noAutofit/>
+          </a:bodyPr>
+          <a:lstStyle/>
+          <a:p>
+            <a:pPr algn="ctr"/>
+            <a:endParaRPr lang="en-US"/>
+          </a:p>
+        </p:txBody>
+      </p:sp>
+      <p:sp>
+        <p:nvSpPr>
+          <p:cNvPr id="35" name="Freeform: Shape 34">
+            <a:extLst>
+              <a:ext uri="{FF2B5EF4-FFF2-40B4-BE49-F238E27FC236}">
+                <a16:creationId xmlns:a16="http://schemas.microsoft.com/office/drawing/2014/main" id="{AF0E0918-AB00-4194-A9D5-9AF9B49181B9}"/>
+              </a:ext>
+              <a:ext uri="{C183D7F6-B498-43B3-948B-1728B52AA6E4}">
+                <adec:decorative xmlns:adec="http://schemas.microsoft.com/office/drawing/2017/decorative" val="1"/>
+              </a:ext>
+            </a:extLst>
+          </p:cNvPr>
+          <p:cNvSpPr>
+            <a:spLocks noGrp="1" noRot="1" noChangeAspect="1" noMove="1" noResize="1" noEditPoints="1" noAdjustHandles="1" noChangeArrowheads="1" noChangeShapeType="1" noTextEdit="1"/>
+          </p:cNvSpPr>
+          <p:nvPr>
+            <p:extLst>
+              <p:ext uri="{386F3935-93C4-4BCD-93E2-E3B085C9AB24}">
+                <p16:designElem xmlns:p16="http://schemas.microsoft.com/office/powerpoint/2015/main" val="1"/>
+              </p:ext>
+            </p:extLst>
+          </p:nvPr>
+        </p:nvSpPr>
+        <p:spPr>
+          <a:xfrm flipH="1">
+            <a:off x="6976934" y="0"/>
+            <a:ext cx="5215066" cy="6858000"/>
+          </a:xfrm>
+          <a:custGeom>
+            <a:avLst/>
+            <a:gdLst>
+              <a:gd name="connsiteX0" fmla="*/ 0 w 5215066"/>
+              <a:gd name="connsiteY0" fmla="*/ 0 h 6858000"/>
+              <a:gd name="connsiteX1" fmla="*/ 3197713 w 5215066"/>
+              <a:gd name="connsiteY1" fmla="*/ 0 h 6858000"/>
+              <a:gd name="connsiteX2" fmla="*/ 3259787 w 5215066"/>
+              <a:gd name="connsiteY2" fmla="*/ 39865 h 6858000"/>
+              <a:gd name="connsiteX3" fmla="*/ 5215066 w 5215066"/>
+              <a:gd name="connsiteY3" fmla="*/ 3723759 h 6858000"/>
+              <a:gd name="connsiteX4" fmla="*/ 4202364 w 5215066"/>
+              <a:gd name="connsiteY4" fmla="*/ 6549681 h 6858000"/>
+              <a:gd name="connsiteX5" fmla="*/ 3922635 w 5215066"/>
+              <a:gd name="connsiteY5" fmla="*/ 6858000 h 6858000"/>
+              <a:gd name="connsiteX6" fmla="*/ 0 w 5215066"/>
+              <a:gd name="connsiteY6" fmla="*/ 6858000 h 6858000"/>
+            </a:gdLst>
+            <a:ahLst/>
+            <a:cxnLst>
+              <a:cxn ang="0">
+                <a:pos x="connsiteX0" y="connsiteY0"/>
+              </a:cxn>
+              <a:cxn ang="0">
+                <a:pos x="connsiteX1" y="connsiteY1"/>
+              </a:cxn>
+              <a:cxn ang="0">
+                <a:pos x="connsiteX2" y="connsiteY2"/>
+              </a:cxn>
+              <a:cxn ang="0">
+                <a:pos x="connsiteX3" y="connsiteY3"/>
+              </a:cxn>
+              <a:cxn ang="0">
+                <a:pos x="connsiteX4" y="connsiteY4"/>
+              </a:cxn>
+              <a:cxn ang="0">
+                <a:pos x="connsiteX5" y="connsiteY5"/>
+              </a:cxn>
+              <a:cxn ang="0">
+                <a:pos x="connsiteX6" y="connsiteY6"/>
+              </a:cxn>
+            </a:cxnLst>
+            <a:rect l="l" t="t" r="r" b="b"/>
+            <a:pathLst>
+              <a:path w="5215066" h="6858000">
+                <a:moveTo>
+                  <a:pt x="0" y="0"/>
+                </a:moveTo>
+                <a:lnTo>
+                  <a:pt x="3197713" y="0"/>
+                </a:lnTo>
+                <a:lnTo>
+                  <a:pt x="3259787" y="39865"/>
+                </a:lnTo>
+                <a:cubicBezTo>
+                  <a:pt x="4439462" y="838237"/>
+                  <a:pt x="5215066" y="2190263"/>
+                  <a:pt x="5215066" y="3723759"/>
+                </a:cubicBezTo>
+                <a:cubicBezTo>
+                  <a:pt x="5215066" y="4797206"/>
+                  <a:pt x="4835020" y="5781733"/>
+                  <a:pt x="4202364" y="6549681"/>
+                </a:cubicBezTo>
+                <a:lnTo>
+                  <a:pt x="3922635" y="6858000"/>
+                </a:lnTo>
+                <a:lnTo>
+                  <a:pt x="0" y="6858000"/>
+                </a:lnTo>
+                <a:close/>
+              </a:path>
+            </a:pathLst>
+          </a:custGeom>
           <a:solidFill>
             <a:schemeClr val="tx1"/>
           </a:solidFill>
@@ -5259,378 +5859,13 @@
           </a:fontRef>
         </p:style>
         <p:txBody>
-          <a:bodyPr rtlCol="0" anchor="ctr"/>
-          <a:lstStyle/>
-          <a:p>
-            <a:pPr algn="ctr"/>
-            <a:endParaRPr lang="en-US"/>
-          </a:p>
-        </p:txBody>
-      </p:sp>
-      <p:sp>
-        <p:nvSpPr>
-          <p:cNvPr id="2" name="Title 1"/>
-          <p:cNvSpPr>
-            <a:spLocks noGrp="1"/>
-          </p:cNvSpPr>
-          <p:nvPr>
-            <p:ph type="title"/>
-          </p:nvPr>
-        </p:nvSpPr>
-        <p:spPr>
-          <a:xfrm>
-            <a:off x="960120" y="434101"/>
-            <a:ext cx="7169753" cy="1232750"/>
-          </a:xfrm>
-        </p:spPr>
-        <p:txBody>
-          <a:bodyPr anchor="b">
-            <a:normAutofit/>
-          </a:bodyPr>
-          <a:lstStyle/>
-          <a:p>
-            <a:r>
-              <a:rPr lang="en-US">
-                <a:solidFill>
-                  <a:schemeClr val="bg1"/>
-                </a:solidFill>
-              </a:rPr>
-              <a:t>Contents</a:t>
-            </a:r>
-          </a:p>
-        </p:txBody>
-      </p:sp>
-      <p:cxnSp>
-        <p:nvCxnSpPr>
-          <p:cNvPr id="13" name="Straight Connector 12">
-            <a:extLst>
-              <a:ext uri="{FF2B5EF4-FFF2-40B4-BE49-F238E27FC236}">
-                <a16:creationId xmlns:a16="http://schemas.microsoft.com/office/drawing/2014/main" id="{C6C21149-7D17-44C2-AFB6-4D931DC55FB1}"/>
-              </a:ext>
-              <a:ext uri="{C183D7F6-B498-43B3-948B-1728B52AA6E4}">
-                <adec:decorative xmlns:adec="http://schemas.microsoft.com/office/drawing/2017/decorative" val="1"/>
-              </a:ext>
-            </a:extLst>
-          </p:cNvPr>
-          <p:cNvCxnSpPr>
-            <a:cxnSpLocks noGrp="1" noRot="1" noChangeAspect="1" noMove="1" noResize="1" noEditPoints="1" noAdjustHandles="1" noChangeArrowheads="1" noChangeShapeType="1"/>
-          </p:cNvCxnSpPr>
-          <p:nvPr>
-            <p:extLst>
-              <p:ext uri="{386F3935-93C4-4BCD-93E2-E3B085C9AB24}">
-                <p16:designElem xmlns:p16="http://schemas.microsoft.com/office/powerpoint/2015/main" val="1"/>
-              </p:ext>
-            </p:extLst>
-          </p:nvPr>
-        </p:nvCxnSpPr>
-        <p:spPr>
-          <a:xfrm>
-            <a:off x="0" y="1676579"/>
-            <a:ext cx="8129873" cy="6020"/>
-          </a:xfrm>
-          <a:prstGeom prst="line">
-            <a:avLst/>
-          </a:prstGeom>
-          <a:ln w="25400">
-            <a:solidFill>
-              <a:schemeClr val="bg1"/>
-            </a:solidFill>
-          </a:ln>
-        </p:spPr>
-        <p:style>
-          <a:lnRef idx="1">
-            <a:schemeClr val="accent1"/>
-          </a:lnRef>
-          <a:fillRef idx="0">
-            <a:schemeClr val="accent1"/>
-          </a:fillRef>
-          <a:effectRef idx="0">
-            <a:schemeClr val="accent1"/>
-          </a:effectRef>
-          <a:fontRef idx="minor">
-            <a:schemeClr val="tx1"/>
-          </a:fontRef>
-        </p:style>
-      </p:cxnSp>
-      <p:sp>
-        <p:nvSpPr>
-          <p:cNvPr id="15" name="Freeform 6">
-            <a:extLst>
-              <a:ext uri="{FF2B5EF4-FFF2-40B4-BE49-F238E27FC236}">
-                <a16:creationId xmlns:a16="http://schemas.microsoft.com/office/drawing/2014/main" id="{C2E5FCF0-567A-448C-A6E3-920BFC702C2F}"/>
-              </a:ext>
-              <a:ext uri="{C183D7F6-B498-43B3-948B-1728B52AA6E4}">
-                <adec:decorative xmlns:adec="http://schemas.microsoft.com/office/drawing/2017/decorative" val="1"/>
-              </a:ext>
-            </a:extLst>
-          </p:cNvPr>
-          <p:cNvSpPr>
-            <a:spLocks noGrp="1" noRot="1" noChangeAspect="1" noMove="1" noResize="1" noEditPoints="1" noAdjustHandles="1" noChangeArrowheads="1" noChangeShapeType="1" noTextEdit="1"/>
-          </p:cNvSpPr>
-          <p:nvPr>
-            <p:extLst>
-              <p:ext uri="{386F3935-93C4-4BCD-93E2-E3B085C9AB24}">
-                <p16:designElem xmlns:p16="http://schemas.microsoft.com/office/powerpoint/2015/main" val="1"/>
-              </p:ext>
-            </p:extLst>
-          </p:nvPr>
-        </p:nvSpPr>
-        <p:spPr bwMode="auto">
-          <a:xfrm>
-            <a:off x="11784011" y="938535"/>
-            <a:ext cx="407988" cy="819150"/>
-          </a:xfrm>
-          <a:custGeom>
-            <a:avLst/>
-            <a:gdLst/>
-            <a:ahLst/>
-            <a:cxnLst/>
-            <a:rect l="0" t="0" r="r" b="b"/>
-            <a:pathLst>
-              <a:path w="1799" h="3612">
-                <a:moveTo>
-                  <a:pt x="1799" y="0"/>
-                </a:moveTo>
-                <a:lnTo>
-                  <a:pt x="1799" y="3612"/>
-                </a:lnTo>
-                <a:lnTo>
-                  <a:pt x="1686" y="3609"/>
-                </a:lnTo>
-                <a:lnTo>
-                  <a:pt x="1574" y="3598"/>
-                </a:lnTo>
-                <a:lnTo>
-                  <a:pt x="1464" y="3581"/>
-                </a:lnTo>
-                <a:lnTo>
-                  <a:pt x="1357" y="3557"/>
-                </a:lnTo>
-                <a:lnTo>
-                  <a:pt x="1251" y="3527"/>
-                </a:lnTo>
-                <a:lnTo>
-                  <a:pt x="1150" y="3490"/>
-                </a:lnTo>
-                <a:lnTo>
-                  <a:pt x="1050" y="3448"/>
-                </a:lnTo>
-                <a:lnTo>
-                  <a:pt x="953" y="3401"/>
-                </a:lnTo>
-                <a:lnTo>
-                  <a:pt x="860" y="3347"/>
-                </a:lnTo>
-                <a:lnTo>
-                  <a:pt x="771" y="3289"/>
-                </a:lnTo>
-                <a:lnTo>
-                  <a:pt x="686" y="3224"/>
-                </a:lnTo>
-                <a:lnTo>
-                  <a:pt x="604" y="3156"/>
-                </a:lnTo>
-                <a:lnTo>
-                  <a:pt x="527" y="3083"/>
-                </a:lnTo>
-                <a:lnTo>
-                  <a:pt x="454" y="3005"/>
-                </a:lnTo>
-                <a:lnTo>
-                  <a:pt x="386" y="2923"/>
-                </a:lnTo>
-                <a:lnTo>
-                  <a:pt x="323" y="2838"/>
-                </a:lnTo>
-                <a:lnTo>
-                  <a:pt x="265" y="2748"/>
-                </a:lnTo>
-                <a:lnTo>
-                  <a:pt x="211" y="2655"/>
-                </a:lnTo>
-                <a:lnTo>
-                  <a:pt x="163" y="2559"/>
-                </a:lnTo>
-                <a:lnTo>
-                  <a:pt x="121" y="2459"/>
-                </a:lnTo>
-                <a:lnTo>
-                  <a:pt x="85" y="2356"/>
-                </a:lnTo>
-                <a:lnTo>
-                  <a:pt x="55" y="2251"/>
-                </a:lnTo>
-                <a:lnTo>
-                  <a:pt x="32" y="2143"/>
-                </a:lnTo>
-                <a:lnTo>
-                  <a:pt x="14" y="2033"/>
-                </a:lnTo>
-                <a:lnTo>
-                  <a:pt x="4" y="1920"/>
-                </a:lnTo>
-                <a:lnTo>
-                  <a:pt x="0" y="1806"/>
-                </a:lnTo>
-                <a:lnTo>
-                  <a:pt x="4" y="1692"/>
-                </a:lnTo>
-                <a:lnTo>
-                  <a:pt x="14" y="1580"/>
-                </a:lnTo>
-                <a:lnTo>
-                  <a:pt x="32" y="1469"/>
-                </a:lnTo>
-                <a:lnTo>
-                  <a:pt x="55" y="1362"/>
-                </a:lnTo>
-                <a:lnTo>
-                  <a:pt x="85" y="1256"/>
-                </a:lnTo>
-                <a:lnTo>
-                  <a:pt x="121" y="1154"/>
-                </a:lnTo>
-                <a:lnTo>
-                  <a:pt x="163" y="1054"/>
-                </a:lnTo>
-                <a:lnTo>
-                  <a:pt x="211" y="958"/>
-                </a:lnTo>
-                <a:lnTo>
-                  <a:pt x="265" y="864"/>
-                </a:lnTo>
-                <a:lnTo>
-                  <a:pt x="323" y="774"/>
-                </a:lnTo>
-                <a:lnTo>
-                  <a:pt x="386" y="689"/>
-                </a:lnTo>
-                <a:lnTo>
-                  <a:pt x="454" y="607"/>
-                </a:lnTo>
-                <a:lnTo>
-                  <a:pt x="527" y="529"/>
-                </a:lnTo>
-                <a:lnTo>
-                  <a:pt x="604" y="456"/>
-                </a:lnTo>
-                <a:lnTo>
-                  <a:pt x="686" y="388"/>
-                </a:lnTo>
-                <a:lnTo>
-                  <a:pt x="771" y="325"/>
-                </a:lnTo>
-                <a:lnTo>
-                  <a:pt x="860" y="266"/>
-                </a:lnTo>
-                <a:lnTo>
-                  <a:pt x="953" y="212"/>
-                </a:lnTo>
-                <a:lnTo>
-                  <a:pt x="1050" y="164"/>
-                </a:lnTo>
-                <a:lnTo>
-                  <a:pt x="1150" y="122"/>
-                </a:lnTo>
-                <a:lnTo>
-                  <a:pt x="1251" y="85"/>
-                </a:lnTo>
-                <a:lnTo>
-                  <a:pt x="1357" y="55"/>
-                </a:lnTo>
-                <a:lnTo>
-                  <a:pt x="1464" y="32"/>
-                </a:lnTo>
-                <a:lnTo>
-                  <a:pt x="1574" y="14"/>
-                </a:lnTo>
-                <a:lnTo>
-                  <a:pt x="1686" y="5"/>
-                </a:lnTo>
-                <a:lnTo>
-                  <a:pt x="1799" y="0"/>
-                </a:lnTo>
-                <a:close/>
-              </a:path>
-            </a:pathLst>
-          </a:custGeom>
-          <a:solidFill>
-            <a:schemeClr val="bg2"/>
-          </a:solidFill>
-          <a:ln w="0">
-            <a:noFill/>
-            <a:prstDash val="solid"/>
-            <a:round/>
-            <a:headEnd/>
-            <a:tailEnd/>
-          </a:ln>
-        </p:spPr>
-        <p:txBody>
-          <a:bodyPr/>
-          <a:lstStyle/>
-          <a:p>
-            <a:endParaRPr lang="en-US"/>
-          </a:p>
-        </p:txBody>
-      </p:sp>
-      <p:sp>
-        <p:nvSpPr>
-          <p:cNvPr id="3" name="Content Placeholder 2"/>
-          <p:cNvSpPr>
-            <a:spLocks noGrp="1"/>
-          </p:cNvSpPr>
-          <p:nvPr>
-            <p:ph type="body" idx="1"/>
-          </p:nvPr>
-        </p:nvSpPr>
-        <p:spPr>
-          <a:xfrm>
-            <a:off x="960120" y="2942253"/>
-            <a:ext cx="4215016" cy="3481646"/>
-          </a:xfrm>
-        </p:spPr>
-        <p:txBody>
-          <a:bodyPr>
+          <a:bodyPr wrap="square" rtlCol="0" anchor="ctr">
             <a:noAutofit/>
           </a:bodyPr>
           <a:lstStyle/>
           <a:p>
-            <a:r>
-              <a:rPr lang="en-US" sz="2800" dirty="0"/>
-              <a:t>Purpose Statement</a:t>
-            </a:r>
-          </a:p>
-          <a:p>
-            <a:r>
-              <a:rPr lang="en-US" sz="2800" dirty="0"/>
-              <a:t>Database</a:t>
-            </a:r>
-          </a:p>
-          <a:p>
-            <a:r>
-              <a:rPr lang="en-US" sz="2800" dirty="0"/>
-              <a:t>HTML</a:t>
-            </a:r>
-          </a:p>
-          <a:p>
-            <a:r>
-              <a:rPr lang="en-US" sz="2800" dirty="0"/>
-              <a:t>Python Flask API</a:t>
-            </a:r>
-          </a:p>
-          <a:p>
-            <a:r>
-              <a:rPr lang="en-US" sz="2800" dirty="0"/>
-              <a:t>JavaScript </a:t>
-            </a:r>
-            <a:r>
-              <a:rPr lang="en-US" sz="2800" dirty="0" err="1"/>
-              <a:t>GeoJson</a:t>
-            </a:r>
-            <a:r>
-              <a:rPr lang="en-US" sz="2800" dirty="0"/>
-              <a:t> with Leaflet</a:t>
-            </a:r>
+            <a:pPr algn="ctr"/>
+            <a:endParaRPr lang="en-US"/>
           </a:p>
         </p:txBody>
       </p:sp>
@@ -5656,8 +5891,8 @@
         </p:blipFill>
         <p:spPr>
           <a:xfrm>
-            <a:off x="5175135" y="2942253"/>
-            <a:ext cx="6812870" cy="3254022"/>
+            <a:off x="7216371" y="2243503"/>
+            <a:ext cx="4736192" cy="2644183"/>
           </a:xfrm>
           <a:prstGeom prst="rect">
             <a:avLst/>
@@ -5672,7 +5907,7 @@
     </p:extLst>
   </p:cSld>
   <p:clrMapOvr>
-    <a:masterClrMapping/>
+    <a:overrideClrMapping bg1="dk1" tx1="lt1" bg2="dk2" tx2="lt2" accent1="accent1" accent2="accent2" accent3="accent3" accent4="accent4" accent5="accent5" accent6="accent6" hlink="hlink" folHlink="folHlink"/>
   </p:clrMapOvr>
 </p:sld>
 </file>
@@ -5702,12 +5937,12 @@
           <a:chExt cx="0" cy="0"/>
         </a:xfrm>
       </p:grpSpPr>
-      <p:sp useBgFill="1">
-        <p:nvSpPr>
-          <p:cNvPr id="9" name="Rectangle 8">
+      <p:sp>
+        <p:nvSpPr>
+          <p:cNvPr id="21" name="Rectangle 20">
             <a:extLst>
               <a:ext uri="{FF2B5EF4-FFF2-40B4-BE49-F238E27FC236}">
-                <a16:creationId xmlns:a16="http://schemas.microsoft.com/office/drawing/2014/main" id="{4281BC32-FF58-4898-A6B5-7B3D059BCEB0}"/>
+                <a16:creationId xmlns:a16="http://schemas.microsoft.com/office/drawing/2014/main" id="{EF18EAD0-0892-4759-97E9-BC0B8631C4D8}"/>
               </a:ext>
               <a:ext uri="{C183D7F6-B498-43B3-948B-1728B52AA6E4}">
                 <adec:decorative xmlns:adec="http://schemas.microsoft.com/office/drawing/2017/decorative" val="1"/>
@@ -5733,68 +5968,8 @@
           <a:prstGeom prst="rect">
             <a:avLst/>
           </a:prstGeom>
-          <a:ln>
-            <a:noFill/>
-          </a:ln>
-        </p:spPr>
-        <p:style>
-          <a:lnRef idx="2">
-            <a:schemeClr val="accent1">
-              <a:shade val="50000"/>
-            </a:schemeClr>
-          </a:lnRef>
-          <a:fillRef idx="1">
-            <a:schemeClr val="accent1"/>
-          </a:fillRef>
-          <a:effectRef idx="0">
-            <a:schemeClr val="accent1"/>
-          </a:effectRef>
-          <a:fontRef idx="minor">
-            <a:schemeClr val="lt1"/>
-          </a:fontRef>
-        </p:style>
-        <p:txBody>
-          <a:bodyPr rtlCol="0" anchor="ctr"/>
-          <a:lstStyle/>
-          <a:p>
-            <a:pPr algn="ctr"/>
-            <a:endParaRPr lang="en-US"/>
-          </a:p>
-        </p:txBody>
-      </p:sp>
-      <p:sp>
-        <p:nvSpPr>
-          <p:cNvPr id="11" name="Rectangle 10">
-            <a:extLst>
-              <a:ext uri="{FF2B5EF4-FFF2-40B4-BE49-F238E27FC236}">
-                <a16:creationId xmlns:a16="http://schemas.microsoft.com/office/drawing/2014/main" id="{0D614406-135F-4875-9C87-53822CB19ABB}"/>
-              </a:ext>
-              <a:ext uri="{C183D7F6-B498-43B3-948B-1728B52AA6E4}">
-                <adec:decorative xmlns:adec="http://schemas.microsoft.com/office/drawing/2017/decorative" val="1"/>
-              </a:ext>
-            </a:extLst>
-          </p:cNvPr>
-          <p:cNvSpPr>
-            <a:spLocks noGrp="1" noRot="1" noChangeAspect="1" noMove="1" noResize="1" noEditPoints="1" noAdjustHandles="1" noChangeArrowheads="1" noChangeShapeType="1" noTextEdit="1"/>
-          </p:cNvSpPr>
-          <p:nvPr>
-            <p:extLst>
-              <p:ext uri="{386F3935-93C4-4BCD-93E2-E3B085C9AB24}">
-                <p16:designElem xmlns:p16="http://schemas.microsoft.com/office/powerpoint/2015/main" val="1"/>
-              </p:ext>
-            </p:extLst>
-          </p:nvPr>
-        </p:nvSpPr>
-        <p:spPr>
-          <a:xfrm>
-            <a:off x="0" y="0"/>
-            <a:ext cx="12191999" cy="2285999"/>
-          </a:xfrm>
-          <a:prstGeom prst="rect">
-            <a:avLst/>
-          </a:prstGeom>
           <a:solidFill>
-            <a:schemeClr val="tx1"/>
+            <a:schemeClr val="bg2"/>
           </a:solidFill>
           <a:ln>
             <a:noFill/>
@@ -5817,8 +5992,107 @@
           </a:fontRef>
         </p:style>
         <p:txBody>
-          <a:bodyPr rtlCol="0" anchor="ctr"/>
-          <a:lstStyle/>
+          <a:bodyPr rot="0" spcFirstLastPara="0" vert="horz" wrap="square" lIns="91440" tIns="45720" rIns="91440" bIns="45720" numCol="1" spcCol="0" rtlCol="0" fromWordArt="0" anchor="ctr" anchorCtr="0" forceAA="0" compatLnSpc="1">
+            <a:prstTxWarp prst="textNoShape">
+              <a:avLst/>
+            </a:prstTxWarp>
+            <a:noAutofit/>
+          </a:bodyPr>
+          <a:lstStyle>
+            <a:defPPr>
+              <a:defRPr lang="en-US"/>
+            </a:defPPr>
+            <a:lvl1pPr marL="0" algn="l" defTabSz="914400" rtl="0" eaLnBrk="1" latinLnBrk="0" hangingPunct="1">
+              <a:defRPr sz="1800" kern="1200">
+                <a:solidFill>
+                  <a:schemeClr val="lt1"/>
+                </a:solidFill>
+                <a:latin typeface="+mn-lt"/>
+                <a:ea typeface="+mn-ea"/>
+                <a:cs typeface="+mn-cs"/>
+              </a:defRPr>
+            </a:lvl1pPr>
+            <a:lvl2pPr marL="457200" algn="l" defTabSz="914400" rtl="0" eaLnBrk="1" latinLnBrk="0" hangingPunct="1">
+              <a:defRPr sz="1800" kern="1200">
+                <a:solidFill>
+                  <a:schemeClr val="lt1"/>
+                </a:solidFill>
+                <a:latin typeface="+mn-lt"/>
+                <a:ea typeface="+mn-ea"/>
+                <a:cs typeface="+mn-cs"/>
+              </a:defRPr>
+            </a:lvl2pPr>
+            <a:lvl3pPr marL="914400" algn="l" defTabSz="914400" rtl="0" eaLnBrk="1" latinLnBrk="0" hangingPunct="1">
+              <a:defRPr sz="1800" kern="1200">
+                <a:solidFill>
+                  <a:schemeClr val="lt1"/>
+                </a:solidFill>
+                <a:latin typeface="+mn-lt"/>
+                <a:ea typeface="+mn-ea"/>
+                <a:cs typeface="+mn-cs"/>
+              </a:defRPr>
+            </a:lvl3pPr>
+            <a:lvl4pPr marL="1371600" algn="l" defTabSz="914400" rtl="0" eaLnBrk="1" latinLnBrk="0" hangingPunct="1">
+              <a:defRPr sz="1800" kern="1200">
+                <a:solidFill>
+                  <a:schemeClr val="lt1"/>
+                </a:solidFill>
+                <a:latin typeface="+mn-lt"/>
+                <a:ea typeface="+mn-ea"/>
+                <a:cs typeface="+mn-cs"/>
+              </a:defRPr>
+            </a:lvl4pPr>
+            <a:lvl5pPr marL="1828800" algn="l" defTabSz="914400" rtl="0" eaLnBrk="1" latinLnBrk="0" hangingPunct="1">
+              <a:defRPr sz="1800" kern="1200">
+                <a:solidFill>
+                  <a:schemeClr val="lt1"/>
+                </a:solidFill>
+                <a:latin typeface="+mn-lt"/>
+                <a:ea typeface="+mn-ea"/>
+                <a:cs typeface="+mn-cs"/>
+              </a:defRPr>
+            </a:lvl5pPr>
+            <a:lvl6pPr marL="2286000" algn="l" defTabSz="914400" rtl="0" eaLnBrk="1" latinLnBrk="0" hangingPunct="1">
+              <a:defRPr sz="1800" kern="1200">
+                <a:solidFill>
+                  <a:schemeClr val="lt1"/>
+                </a:solidFill>
+                <a:latin typeface="+mn-lt"/>
+                <a:ea typeface="+mn-ea"/>
+                <a:cs typeface="+mn-cs"/>
+              </a:defRPr>
+            </a:lvl6pPr>
+            <a:lvl7pPr marL="2743200" algn="l" defTabSz="914400" rtl="0" eaLnBrk="1" latinLnBrk="0" hangingPunct="1">
+              <a:defRPr sz="1800" kern="1200">
+                <a:solidFill>
+                  <a:schemeClr val="lt1"/>
+                </a:solidFill>
+                <a:latin typeface="+mn-lt"/>
+                <a:ea typeface="+mn-ea"/>
+                <a:cs typeface="+mn-cs"/>
+              </a:defRPr>
+            </a:lvl7pPr>
+            <a:lvl8pPr marL="3200400" algn="l" defTabSz="914400" rtl="0" eaLnBrk="1" latinLnBrk="0" hangingPunct="1">
+              <a:defRPr sz="1800" kern="1200">
+                <a:solidFill>
+                  <a:schemeClr val="lt1"/>
+                </a:solidFill>
+                <a:latin typeface="+mn-lt"/>
+                <a:ea typeface="+mn-ea"/>
+                <a:cs typeface="+mn-cs"/>
+              </a:defRPr>
+            </a:lvl8pPr>
+            <a:lvl9pPr marL="3657600" algn="l" defTabSz="914400" rtl="0" eaLnBrk="1" latinLnBrk="0" hangingPunct="1">
+              <a:defRPr sz="1800" kern="1200">
+                <a:solidFill>
+                  <a:schemeClr val="lt1"/>
+                </a:solidFill>
+                <a:latin typeface="+mn-lt"/>
+                <a:ea typeface="+mn-ea"/>
+                <a:cs typeface="+mn-cs"/>
+              </a:defRPr>
+            </a:lvl9pPr>
+          </a:lstStyle>
           <a:p>
             <a:pPr algn="ctr"/>
             <a:endParaRPr lang="en-US"/>
@@ -5837,33 +6111,321 @@
         </p:nvSpPr>
         <p:spPr>
           <a:xfrm>
-            <a:off x="960120" y="434101"/>
-            <a:ext cx="7169753" cy="1232750"/>
+            <a:off x="5181600" y="559678"/>
+            <a:ext cx="6248398" cy="1484275"/>
           </a:xfrm>
         </p:spPr>
         <p:txBody>
-          <a:bodyPr anchor="b">
+          <a:bodyPr>
             <a:normAutofit/>
           </a:bodyPr>
           <a:lstStyle/>
           <a:p>
+            <a:pPr algn="l"/>
+            <a:r>
+              <a:rPr lang="en-US" dirty="0"/>
+              <a:t>Purpose</a:t>
+            </a:r>
+          </a:p>
+        </p:txBody>
+      </p:sp>
+      <p:pic>
+        <p:nvPicPr>
+          <p:cNvPr id="17" name="Picture 16" descr="Abstract blurred public library with bookshelves">
+            <a:extLst>
+              <a:ext uri="{FF2B5EF4-FFF2-40B4-BE49-F238E27FC236}">
+                <a16:creationId xmlns:a16="http://schemas.microsoft.com/office/drawing/2014/main" id="{FC1231DA-3DF1-AE15-F149-1862650BF620}"/>
+              </a:ext>
+            </a:extLst>
+          </p:cNvPr>
+          <p:cNvPicPr>
+            <a:picLocks noChangeAspect="1"/>
+          </p:cNvPicPr>
+          <p:nvPr/>
+        </p:nvPicPr>
+        <p:blipFill rotWithShape="1">
+          <a:blip r:embed="rId2"/>
+          <a:srcRect l="16464" r="38803" b="-1"/>
+          <a:stretch/>
+        </p:blipFill>
+        <p:spPr>
+          <a:xfrm>
+            <a:off x="20" y="10"/>
+            <a:ext cx="4595888" cy="6857990"/>
+          </a:xfrm>
+          <a:prstGeom prst="rect">
+            <a:avLst/>
+          </a:prstGeom>
+        </p:spPr>
+      </p:pic>
+      <p:sp>
+        <p:nvSpPr>
+          <p:cNvPr id="3" name="Content Placeholder 2"/>
+          <p:cNvSpPr>
+            <a:spLocks noGrp="1"/>
+          </p:cNvSpPr>
+          <p:nvPr>
+            <p:ph idx="1"/>
+          </p:nvPr>
+        </p:nvSpPr>
+        <p:spPr>
+          <a:xfrm>
+            <a:off x="5181600" y="2394305"/>
+            <a:ext cx="6248398" cy="2931932"/>
+          </a:xfrm>
+        </p:spPr>
+        <p:txBody>
+          <a:bodyPr>
+            <a:normAutofit/>
+          </a:bodyPr>
+          <a:lstStyle/>
+          <a:p>
             <a:r>
               <a:rPr lang="en-US" dirty="0">
-                <a:solidFill>
-                  <a:schemeClr val="bg1"/>
-                </a:solidFill>
+                <a:latin typeface="Arial" panose="020B0604020202020204" pitchFamily="34" charset="0"/>
               </a:rPr>
-              <a:t>Purpose</a:t>
+              <a:t>By creating a tool powered by a Python Flask API, HTML/CSS, JavaScript, and a Postgres database, the user can analyze the data of school </a:t>
             </a:r>
+            <a:r>
+              <a:rPr lang="en-US" b="0" i="0" dirty="0">
+                <a:effectLst/>
+                <a:latin typeface="Arial" panose="020B0604020202020204" pitchFamily="34" charset="0"/>
+              </a:rPr>
+              <a:t>shootings in the United States from 1999 to 2023. Considering the importance and reoccurrence of this issue, this tool is meant for public awareness.</a:t>
+            </a:r>
+          </a:p>
+        </p:txBody>
+      </p:sp>
+      <p:sp>
+        <p:nvSpPr>
+          <p:cNvPr id="23" name="Freeform 6">
+            <a:extLst>
+              <a:ext uri="{FF2B5EF4-FFF2-40B4-BE49-F238E27FC236}">
+                <a16:creationId xmlns:a16="http://schemas.microsoft.com/office/drawing/2014/main" id="{5626E0BF-A73C-4ADD-949D-08F8B429538E}"/>
+              </a:ext>
+              <a:ext uri="{C183D7F6-B498-43B3-948B-1728B52AA6E4}">
+                <adec:decorative xmlns:adec="http://schemas.microsoft.com/office/drawing/2017/decorative" val="1"/>
+              </a:ext>
+            </a:extLst>
+          </p:cNvPr>
+          <p:cNvSpPr>
+            <a:spLocks noGrp="1" noRot="1" noChangeAspect="1" noMove="1" noResize="1" noEditPoints="1" noAdjustHandles="1" noChangeArrowheads="1" noChangeShapeType="1" noTextEdit="1"/>
+          </p:cNvSpPr>
+          <p:nvPr>
+            <p:extLst>
+              <p:ext uri="{386F3935-93C4-4BCD-93E2-E3B085C9AB24}">
+                <p16:designElem xmlns:p16="http://schemas.microsoft.com/office/powerpoint/2015/main" val="1"/>
+              </p:ext>
+            </p:extLst>
+          </p:nvPr>
+        </p:nvSpPr>
+        <p:spPr bwMode="auto">
+          <a:xfrm flipH="1">
+            <a:off x="0" y="5380580"/>
+            <a:ext cx="407988" cy="819150"/>
+          </a:xfrm>
+          <a:custGeom>
+            <a:avLst/>
+            <a:gdLst/>
+            <a:ahLst/>
+            <a:cxnLst/>
+            <a:rect l="0" t="0" r="r" b="b"/>
+            <a:pathLst>
+              <a:path w="1799" h="3612">
+                <a:moveTo>
+                  <a:pt x="1799" y="0"/>
+                </a:moveTo>
+                <a:lnTo>
+                  <a:pt x="1799" y="3612"/>
+                </a:lnTo>
+                <a:lnTo>
+                  <a:pt x="1686" y="3609"/>
+                </a:lnTo>
+                <a:lnTo>
+                  <a:pt x="1574" y="3598"/>
+                </a:lnTo>
+                <a:lnTo>
+                  <a:pt x="1464" y="3581"/>
+                </a:lnTo>
+                <a:lnTo>
+                  <a:pt x="1357" y="3557"/>
+                </a:lnTo>
+                <a:lnTo>
+                  <a:pt x="1251" y="3527"/>
+                </a:lnTo>
+                <a:lnTo>
+                  <a:pt x="1150" y="3490"/>
+                </a:lnTo>
+                <a:lnTo>
+                  <a:pt x="1050" y="3448"/>
+                </a:lnTo>
+                <a:lnTo>
+                  <a:pt x="953" y="3401"/>
+                </a:lnTo>
+                <a:lnTo>
+                  <a:pt x="860" y="3347"/>
+                </a:lnTo>
+                <a:lnTo>
+                  <a:pt x="771" y="3289"/>
+                </a:lnTo>
+                <a:lnTo>
+                  <a:pt x="686" y="3224"/>
+                </a:lnTo>
+                <a:lnTo>
+                  <a:pt x="604" y="3156"/>
+                </a:lnTo>
+                <a:lnTo>
+                  <a:pt x="527" y="3083"/>
+                </a:lnTo>
+                <a:lnTo>
+                  <a:pt x="454" y="3005"/>
+                </a:lnTo>
+                <a:lnTo>
+                  <a:pt x="386" y="2923"/>
+                </a:lnTo>
+                <a:lnTo>
+                  <a:pt x="323" y="2838"/>
+                </a:lnTo>
+                <a:lnTo>
+                  <a:pt x="265" y="2748"/>
+                </a:lnTo>
+                <a:lnTo>
+                  <a:pt x="211" y="2655"/>
+                </a:lnTo>
+                <a:lnTo>
+                  <a:pt x="163" y="2559"/>
+                </a:lnTo>
+                <a:lnTo>
+                  <a:pt x="121" y="2459"/>
+                </a:lnTo>
+                <a:lnTo>
+                  <a:pt x="85" y="2356"/>
+                </a:lnTo>
+                <a:lnTo>
+                  <a:pt x="55" y="2251"/>
+                </a:lnTo>
+                <a:lnTo>
+                  <a:pt x="32" y="2143"/>
+                </a:lnTo>
+                <a:lnTo>
+                  <a:pt x="14" y="2033"/>
+                </a:lnTo>
+                <a:lnTo>
+                  <a:pt x="4" y="1920"/>
+                </a:lnTo>
+                <a:lnTo>
+                  <a:pt x="0" y="1806"/>
+                </a:lnTo>
+                <a:lnTo>
+                  <a:pt x="4" y="1692"/>
+                </a:lnTo>
+                <a:lnTo>
+                  <a:pt x="14" y="1580"/>
+                </a:lnTo>
+                <a:lnTo>
+                  <a:pt x="32" y="1469"/>
+                </a:lnTo>
+                <a:lnTo>
+                  <a:pt x="55" y="1362"/>
+                </a:lnTo>
+                <a:lnTo>
+                  <a:pt x="85" y="1256"/>
+                </a:lnTo>
+                <a:lnTo>
+                  <a:pt x="121" y="1154"/>
+                </a:lnTo>
+                <a:lnTo>
+                  <a:pt x="163" y="1054"/>
+                </a:lnTo>
+                <a:lnTo>
+                  <a:pt x="211" y="958"/>
+                </a:lnTo>
+                <a:lnTo>
+                  <a:pt x="265" y="864"/>
+                </a:lnTo>
+                <a:lnTo>
+                  <a:pt x="323" y="774"/>
+                </a:lnTo>
+                <a:lnTo>
+                  <a:pt x="386" y="689"/>
+                </a:lnTo>
+                <a:lnTo>
+                  <a:pt x="454" y="607"/>
+                </a:lnTo>
+                <a:lnTo>
+                  <a:pt x="527" y="529"/>
+                </a:lnTo>
+                <a:lnTo>
+                  <a:pt x="604" y="456"/>
+                </a:lnTo>
+                <a:lnTo>
+                  <a:pt x="686" y="388"/>
+                </a:lnTo>
+                <a:lnTo>
+                  <a:pt x="771" y="325"/>
+                </a:lnTo>
+                <a:lnTo>
+                  <a:pt x="860" y="266"/>
+                </a:lnTo>
+                <a:lnTo>
+                  <a:pt x="953" y="212"/>
+                </a:lnTo>
+                <a:lnTo>
+                  <a:pt x="1050" y="164"/>
+                </a:lnTo>
+                <a:lnTo>
+                  <a:pt x="1150" y="122"/>
+                </a:lnTo>
+                <a:lnTo>
+                  <a:pt x="1251" y="85"/>
+                </a:lnTo>
+                <a:lnTo>
+                  <a:pt x="1357" y="55"/>
+                </a:lnTo>
+                <a:lnTo>
+                  <a:pt x="1464" y="32"/>
+                </a:lnTo>
+                <a:lnTo>
+                  <a:pt x="1574" y="14"/>
+                </a:lnTo>
+                <a:lnTo>
+                  <a:pt x="1686" y="5"/>
+                </a:lnTo>
+                <a:lnTo>
+                  <a:pt x="1799" y="0"/>
+                </a:lnTo>
+                <a:close/>
+              </a:path>
+            </a:pathLst>
+          </a:custGeom>
+          <a:solidFill>
+            <a:schemeClr val="tx1">
+              <a:lumMod val="85000"/>
+              <a:lumOff val="15000"/>
+            </a:schemeClr>
+          </a:solidFill>
+          <a:ln w="0">
+            <a:noFill/>
+            <a:prstDash val="solid"/>
+            <a:round/>
+            <a:headEnd/>
+            <a:tailEnd/>
+          </a:ln>
+        </p:spPr>
+        <p:txBody>
+          <a:bodyPr/>
+          <a:lstStyle/>
+          <a:p>
+            <a:endParaRPr lang="en-US"/>
           </a:p>
         </p:txBody>
       </p:sp>
       <p:cxnSp>
         <p:nvCxnSpPr>
-          <p:cNvPr id="13" name="Straight Connector 12">
+          <p:cNvPr id="25" name="Straight Connector 24">
             <a:extLst>
               <a:ext uri="{FF2B5EF4-FFF2-40B4-BE49-F238E27FC236}">
-                <a16:creationId xmlns:a16="http://schemas.microsoft.com/office/drawing/2014/main" id="{C6C21149-7D17-44C2-AFB6-4D931DC55FB1}"/>
+                <a16:creationId xmlns:a16="http://schemas.microsoft.com/office/drawing/2014/main" id="{540BE141-7BF6-4A06-8C1E-3C62B1AD7FED}"/>
               </a:ext>
               <a:ext uri="{C183D7F6-B498-43B3-948B-1728B52AA6E4}">
                 <adec:decorative xmlns:adec="http://schemas.microsoft.com/office/drawing/2017/decorative" val="1"/>
@@ -5883,15 +6445,18 @@
         </p:nvCxnSpPr>
         <p:spPr>
           <a:xfrm>
-            <a:off x="0" y="1676579"/>
-            <a:ext cx="8129873" cy="6020"/>
+            <a:off x="5181600" y="6199730"/>
+            <a:ext cx="7010400" cy="0"/>
           </a:xfrm>
           <a:prstGeom prst="line">
             <a:avLst/>
           </a:prstGeom>
           <a:ln w="25400">
             <a:solidFill>
-              <a:schemeClr val="bg1"/>
+              <a:schemeClr val="tx1">
+                <a:lumMod val="85000"/>
+                <a:lumOff val="15000"/>
+              </a:schemeClr>
             </a:solidFill>
           </a:ln>
         </p:spPr>
@@ -5910,277 +6475,6 @@
           </a:fontRef>
         </p:style>
       </p:cxnSp>
-      <p:sp>
-        <p:nvSpPr>
-          <p:cNvPr id="15" name="Freeform 6">
-            <a:extLst>
-              <a:ext uri="{FF2B5EF4-FFF2-40B4-BE49-F238E27FC236}">
-                <a16:creationId xmlns:a16="http://schemas.microsoft.com/office/drawing/2014/main" id="{C2E5FCF0-567A-448C-A6E3-920BFC702C2F}"/>
-              </a:ext>
-              <a:ext uri="{C183D7F6-B498-43B3-948B-1728B52AA6E4}">
-                <adec:decorative xmlns:adec="http://schemas.microsoft.com/office/drawing/2017/decorative" val="1"/>
-              </a:ext>
-            </a:extLst>
-          </p:cNvPr>
-          <p:cNvSpPr>
-            <a:spLocks noGrp="1" noRot="1" noChangeAspect="1" noMove="1" noResize="1" noEditPoints="1" noAdjustHandles="1" noChangeArrowheads="1" noChangeShapeType="1" noTextEdit="1"/>
-          </p:cNvSpPr>
-          <p:nvPr>
-            <p:extLst>
-              <p:ext uri="{386F3935-93C4-4BCD-93E2-E3B085C9AB24}">
-                <p16:designElem xmlns:p16="http://schemas.microsoft.com/office/powerpoint/2015/main" val="1"/>
-              </p:ext>
-            </p:extLst>
-          </p:nvPr>
-        </p:nvSpPr>
-        <p:spPr bwMode="auto">
-          <a:xfrm>
-            <a:off x="11784011" y="938535"/>
-            <a:ext cx="407988" cy="819150"/>
-          </a:xfrm>
-          <a:custGeom>
-            <a:avLst/>
-            <a:gdLst/>
-            <a:ahLst/>
-            <a:cxnLst/>
-            <a:rect l="0" t="0" r="r" b="b"/>
-            <a:pathLst>
-              <a:path w="1799" h="3612">
-                <a:moveTo>
-                  <a:pt x="1799" y="0"/>
-                </a:moveTo>
-                <a:lnTo>
-                  <a:pt x="1799" y="3612"/>
-                </a:lnTo>
-                <a:lnTo>
-                  <a:pt x="1686" y="3609"/>
-                </a:lnTo>
-                <a:lnTo>
-                  <a:pt x="1574" y="3598"/>
-                </a:lnTo>
-                <a:lnTo>
-                  <a:pt x="1464" y="3581"/>
-                </a:lnTo>
-                <a:lnTo>
-                  <a:pt x="1357" y="3557"/>
-                </a:lnTo>
-                <a:lnTo>
-                  <a:pt x="1251" y="3527"/>
-                </a:lnTo>
-                <a:lnTo>
-                  <a:pt x="1150" y="3490"/>
-                </a:lnTo>
-                <a:lnTo>
-                  <a:pt x="1050" y="3448"/>
-                </a:lnTo>
-                <a:lnTo>
-                  <a:pt x="953" y="3401"/>
-                </a:lnTo>
-                <a:lnTo>
-                  <a:pt x="860" y="3347"/>
-                </a:lnTo>
-                <a:lnTo>
-                  <a:pt x="771" y="3289"/>
-                </a:lnTo>
-                <a:lnTo>
-                  <a:pt x="686" y="3224"/>
-                </a:lnTo>
-                <a:lnTo>
-                  <a:pt x="604" y="3156"/>
-                </a:lnTo>
-                <a:lnTo>
-                  <a:pt x="527" y="3083"/>
-                </a:lnTo>
-                <a:lnTo>
-                  <a:pt x="454" y="3005"/>
-                </a:lnTo>
-                <a:lnTo>
-                  <a:pt x="386" y="2923"/>
-                </a:lnTo>
-                <a:lnTo>
-                  <a:pt x="323" y="2838"/>
-                </a:lnTo>
-                <a:lnTo>
-                  <a:pt x="265" y="2748"/>
-                </a:lnTo>
-                <a:lnTo>
-                  <a:pt x="211" y="2655"/>
-                </a:lnTo>
-                <a:lnTo>
-                  <a:pt x="163" y="2559"/>
-                </a:lnTo>
-                <a:lnTo>
-                  <a:pt x="121" y="2459"/>
-                </a:lnTo>
-                <a:lnTo>
-                  <a:pt x="85" y="2356"/>
-                </a:lnTo>
-                <a:lnTo>
-                  <a:pt x="55" y="2251"/>
-                </a:lnTo>
-                <a:lnTo>
-                  <a:pt x="32" y="2143"/>
-                </a:lnTo>
-                <a:lnTo>
-                  <a:pt x="14" y="2033"/>
-                </a:lnTo>
-                <a:lnTo>
-                  <a:pt x="4" y="1920"/>
-                </a:lnTo>
-                <a:lnTo>
-                  <a:pt x="0" y="1806"/>
-                </a:lnTo>
-                <a:lnTo>
-                  <a:pt x="4" y="1692"/>
-                </a:lnTo>
-                <a:lnTo>
-                  <a:pt x="14" y="1580"/>
-                </a:lnTo>
-                <a:lnTo>
-                  <a:pt x="32" y="1469"/>
-                </a:lnTo>
-                <a:lnTo>
-                  <a:pt x="55" y="1362"/>
-                </a:lnTo>
-                <a:lnTo>
-                  <a:pt x="85" y="1256"/>
-                </a:lnTo>
-                <a:lnTo>
-                  <a:pt x="121" y="1154"/>
-                </a:lnTo>
-                <a:lnTo>
-                  <a:pt x="163" y="1054"/>
-                </a:lnTo>
-                <a:lnTo>
-                  <a:pt x="211" y="958"/>
-                </a:lnTo>
-                <a:lnTo>
-                  <a:pt x="265" y="864"/>
-                </a:lnTo>
-                <a:lnTo>
-                  <a:pt x="323" y="774"/>
-                </a:lnTo>
-                <a:lnTo>
-                  <a:pt x="386" y="689"/>
-                </a:lnTo>
-                <a:lnTo>
-                  <a:pt x="454" y="607"/>
-                </a:lnTo>
-                <a:lnTo>
-                  <a:pt x="527" y="529"/>
-                </a:lnTo>
-                <a:lnTo>
-                  <a:pt x="604" y="456"/>
-                </a:lnTo>
-                <a:lnTo>
-                  <a:pt x="686" y="388"/>
-                </a:lnTo>
-                <a:lnTo>
-                  <a:pt x="771" y="325"/>
-                </a:lnTo>
-                <a:lnTo>
-                  <a:pt x="860" y="266"/>
-                </a:lnTo>
-                <a:lnTo>
-                  <a:pt x="953" y="212"/>
-                </a:lnTo>
-                <a:lnTo>
-                  <a:pt x="1050" y="164"/>
-                </a:lnTo>
-                <a:lnTo>
-                  <a:pt x="1150" y="122"/>
-                </a:lnTo>
-                <a:lnTo>
-                  <a:pt x="1251" y="85"/>
-                </a:lnTo>
-                <a:lnTo>
-                  <a:pt x="1357" y="55"/>
-                </a:lnTo>
-                <a:lnTo>
-                  <a:pt x="1464" y="32"/>
-                </a:lnTo>
-                <a:lnTo>
-                  <a:pt x="1574" y="14"/>
-                </a:lnTo>
-                <a:lnTo>
-                  <a:pt x="1686" y="5"/>
-                </a:lnTo>
-                <a:lnTo>
-                  <a:pt x="1799" y="0"/>
-                </a:lnTo>
-                <a:close/>
-              </a:path>
-            </a:pathLst>
-          </a:custGeom>
-          <a:solidFill>
-            <a:schemeClr val="bg2"/>
-          </a:solidFill>
-          <a:ln w="0">
-            <a:noFill/>
-            <a:prstDash val="solid"/>
-            <a:round/>
-            <a:headEnd/>
-            <a:tailEnd/>
-          </a:ln>
-        </p:spPr>
-        <p:txBody>
-          <a:bodyPr/>
-          <a:lstStyle/>
-          <a:p>
-            <a:endParaRPr lang="en-US"/>
-          </a:p>
-        </p:txBody>
-      </p:sp>
-      <p:sp>
-        <p:nvSpPr>
-          <p:cNvPr id="3" name="Content Placeholder 2"/>
-          <p:cNvSpPr>
-            <a:spLocks noGrp="1"/>
-          </p:cNvSpPr>
-          <p:nvPr>
-            <p:ph idx="1"/>
-          </p:nvPr>
-        </p:nvSpPr>
-        <p:spPr>
-          <a:xfrm>
-            <a:off x="962658" y="2720100"/>
-            <a:ext cx="10266681" cy="3703799"/>
-          </a:xfrm>
-        </p:spPr>
-        <p:txBody>
-          <a:bodyPr>
-            <a:noAutofit/>
-          </a:bodyPr>
-          <a:lstStyle/>
-          <a:p>
-            <a:r>
-              <a:rPr lang="en-US" sz="3200" dirty="0">
-                <a:latin typeface="Arial" panose="020B0604020202020204" pitchFamily="34" charset="0"/>
-              </a:rPr>
-              <a:t>By creating a tool powered by a Python Flask API, HTML/CSS, JavaScript, and a Postgres database, the user can </a:t>
-            </a:r>
-            <a:r>
-              <a:rPr lang="en-US" sz="3200">
-                <a:latin typeface="Arial" panose="020B0604020202020204" pitchFamily="34" charset="0"/>
-              </a:rPr>
-              <a:t>analyze the data </a:t>
-            </a:r>
-            <a:r>
-              <a:rPr lang="en-US" sz="3200" dirty="0">
-                <a:latin typeface="Arial" panose="020B0604020202020204" pitchFamily="34" charset="0"/>
-              </a:rPr>
-              <a:t>of school </a:t>
-            </a:r>
-            <a:r>
-              <a:rPr lang="en-US" sz="3200" b="0" i="0" dirty="0">
-                <a:effectLst/>
-                <a:latin typeface="Arial" panose="020B0604020202020204" pitchFamily="34" charset="0"/>
-              </a:rPr>
-              <a:t>shootings in the United States from 1999 to 2023. Considering the importance and reoccurrence of this issue, this tool is meant for public awareness.</a:t>
-            </a:r>
-          </a:p>
-        </p:txBody>
-      </p:sp>
     </p:spTree>
     <p:extLst>
       <p:ext uri="{BB962C8B-B14F-4D97-AF65-F5344CB8AC3E}">
@@ -6221,10 +6515,10 @@
       </p:grpSpPr>
       <p:sp useBgFill="1">
         <p:nvSpPr>
-          <p:cNvPr id="9" name="Rectangle 8">
+          <p:cNvPr id="21" name="Rectangle 20">
             <a:extLst>
               <a:ext uri="{FF2B5EF4-FFF2-40B4-BE49-F238E27FC236}">
-                <a16:creationId xmlns:a16="http://schemas.microsoft.com/office/drawing/2014/main" id="{4281BC32-FF58-4898-A6B5-7B3D059BCEB0}"/>
+                <a16:creationId xmlns:a16="http://schemas.microsoft.com/office/drawing/2014/main" id="{2A0E4E09-FC02-4ADC-951A-3FFA90B6FE39}"/>
               </a:ext>
               <a:ext uri="{C183D7F6-B498-43B3-948B-1728B52AA6E4}">
                 <adec:decorative xmlns:adec="http://schemas.microsoft.com/office/drawing/2017/decorative" val="1"/>
@@ -6245,7 +6539,7 @@
         <p:spPr>
           <a:xfrm>
             <a:off x="0" y="0"/>
-            <a:ext cx="12192000" cy="6858000"/>
+            <a:ext cx="12191695" cy="6858000"/>
           </a:xfrm>
           <a:prstGeom prst="rect">
             <a:avLst/>
@@ -6281,10 +6575,44 @@
       </p:sp>
       <p:sp>
         <p:nvSpPr>
-          <p:cNvPr id="11" name="Rectangle 10">
+          <p:cNvPr id="2" name="Title 1"/>
+          <p:cNvSpPr>
+            <a:spLocks noGrp="1"/>
+          </p:cNvSpPr>
+          <p:nvPr>
+            <p:ph type="title"/>
+          </p:nvPr>
+        </p:nvSpPr>
+        <p:spPr>
+          <a:xfrm>
+            <a:off x="5986331" y="633779"/>
+            <a:ext cx="5443665" cy="2068478"/>
+          </a:xfrm>
+        </p:spPr>
+        <p:txBody>
+          <a:bodyPr>
+            <a:normAutofit/>
+          </a:bodyPr>
+          <a:lstStyle/>
+          <a:p>
+            <a:pPr algn="l"/>
+            <a:r>
+              <a:rPr lang="en-US">
+                <a:solidFill>
+                  <a:schemeClr val="tx1"/>
+                </a:solidFill>
+              </a:rPr>
+              <a:t>Database</a:t>
+            </a:r>
+          </a:p>
+        </p:txBody>
+      </p:sp>
+      <p:sp>
+        <p:nvSpPr>
+          <p:cNvPr id="23" name="Freeform: Shape 22">
             <a:extLst>
               <a:ext uri="{FF2B5EF4-FFF2-40B4-BE49-F238E27FC236}">
-                <a16:creationId xmlns:a16="http://schemas.microsoft.com/office/drawing/2014/main" id="{0D614406-135F-4875-9C87-53822CB19ABB}"/>
+                <a16:creationId xmlns:a16="http://schemas.microsoft.com/office/drawing/2014/main" id="{5D44B584-65A7-4029-A075-505AA5EAEBB6}"/>
               </a:ext>
               <a:ext uri="{C183D7F6-B498-43B3-948B-1728B52AA6E4}">
                 <adec:decorative xmlns:adec="http://schemas.microsoft.com/office/drawing/2017/decorative" val="1"/>
@@ -6304,14 +6632,87 @@
         </p:nvSpPr>
         <p:spPr>
           <a:xfrm>
-            <a:off x="0" y="0"/>
-            <a:ext cx="12191999" cy="2285999"/>
+            <a:off x="1" y="0"/>
+            <a:ext cx="5443666" cy="6858000"/>
           </a:xfrm>
-          <a:prstGeom prst="rect">
+          <a:custGeom>
             <a:avLst/>
-          </a:prstGeom>
+            <a:gdLst>
+              <a:gd name="connsiteX0" fmla="*/ 0 w 5443666"/>
+              <a:gd name="connsiteY0" fmla="*/ 0 h 6845983"/>
+              <a:gd name="connsiteX1" fmla="*/ 3595564 w 5443666"/>
+              <a:gd name="connsiteY1" fmla="*/ 0 h 6845983"/>
+              <a:gd name="connsiteX2" fmla="*/ 3746607 w 5443666"/>
+              <a:gd name="connsiteY2" fmla="*/ 118697 h 6845983"/>
+              <a:gd name="connsiteX3" fmla="*/ 5443666 w 5443666"/>
+              <a:gd name="connsiteY3" fmla="*/ 3717234 h 6845983"/>
+              <a:gd name="connsiteX4" fmla="*/ 4378763 w 5443666"/>
+              <a:gd name="connsiteY4" fmla="*/ 6683615 h 6845983"/>
+              <a:gd name="connsiteX5" fmla="*/ 4238117 w 5443666"/>
+              <a:gd name="connsiteY5" fmla="*/ 6845983 h 6845983"/>
+              <a:gd name="connsiteX6" fmla="*/ 0 w 5443666"/>
+              <a:gd name="connsiteY6" fmla="*/ 6845983 h 6845983"/>
+            </a:gdLst>
+            <a:ahLst/>
+            <a:cxnLst>
+              <a:cxn ang="0">
+                <a:pos x="connsiteX0" y="connsiteY0"/>
+              </a:cxn>
+              <a:cxn ang="0">
+                <a:pos x="connsiteX1" y="connsiteY1"/>
+              </a:cxn>
+              <a:cxn ang="0">
+                <a:pos x="connsiteX2" y="connsiteY2"/>
+              </a:cxn>
+              <a:cxn ang="0">
+                <a:pos x="connsiteX3" y="connsiteY3"/>
+              </a:cxn>
+              <a:cxn ang="0">
+                <a:pos x="connsiteX4" y="connsiteY4"/>
+              </a:cxn>
+              <a:cxn ang="0">
+                <a:pos x="connsiteX5" y="connsiteY5"/>
+              </a:cxn>
+              <a:cxn ang="0">
+                <a:pos x="connsiteX6" y="connsiteY6"/>
+              </a:cxn>
+            </a:cxnLst>
+            <a:rect l="l" t="t" r="r" b="b"/>
+            <a:pathLst>
+              <a:path w="5443666" h="6845983">
+                <a:moveTo>
+                  <a:pt x="0" y="0"/>
+                </a:moveTo>
+                <a:lnTo>
+                  <a:pt x="3595564" y="0"/>
+                </a:lnTo>
+                <a:lnTo>
+                  <a:pt x="3746607" y="118697"/>
+                </a:lnTo>
+                <a:cubicBezTo>
+                  <a:pt x="4783044" y="974041"/>
+                  <a:pt x="5443666" y="2268489"/>
+                  <a:pt x="5443666" y="3717234"/>
+                </a:cubicBezTo>
+                <a:cubicBezTo>
+                  <a:pt x="5443666" y="4844036"/>
+                  <a:pt x="5044030" y="5877498"/>
+                  <a:pt x="4378763" y="6683615"/>
+                </a:cubicBezTo>
+                <a:lnTo>
+                  <a:pt x="4238117" y="6845983"/>
+                </a:lnTo>
+                <a:lnTo>
+                  <a:pt x="0" y="6845983"/>
+                </a:lnTo>
+                <a:close/>
+              </a:path>
+            </a:pathLst>
+          </a:custGeom>
           <a:solidFill>
-            <a:schemeClr val="tx1"/>
+            <a:schemeClr val="tx1">
+              <a:alpha val="80000"/>
+            </a:schemeClr>
           </a:solidFill>
           <a:ln>
             <a:noFill/>
@@ -6334,7 +6735,9 @@
           </a:fontRef>
         </p:style>
         <p:txBody>
-          <a:bodyPr rtlCol="0" anchor="ctr"/>
+          <a:bodyPr wrap="square" rtlCol="0" anchor="ctr">
+            <a:noAutofit/>
+          </a:bodyPr>
           <a:lstStyle/>
           <a:p>
             <a:pPr algn="ctr"/>
@@ -6342,54 +6745,114 @@
           </a:p>
         </p:txBody>
       </p:sp>
-      <p:sp>
-        <p:nvSpPr>
-          <p:cNvPr id="2" name="Title 1"/>
-          <p:cNvSpPr>
-            <a:spLocks noGrp="1"/>
-          </p:cNvSpPr>
-          <p:nvPr>
-            <p:ph type="title"/>
-          </p:nvPr>
-        </p:nvSpPr>
+      <p:pic>
+        <p:nvPicPr>
+          <p:cNvPr id="17" name="Picture 16">
+            <a:extLst>
+              <a:ext uri="{FF2B5EF4-FFF2-40B4-BE49-F238E27FC236}">
+                <a16:creationId xmlns:a16="http://schemas.microsoft.com/office/drawing/2014/main" id="{0DD95182-5B82-3B4D-F459-964ADF0C83B6}"/>
+              </a:ext>
+            </a:extLst>
+          </p:cNvPr>
+          <p:cNvPicPr>
+            <a:picLocks noChangeAspect="1"/>
+          </p:cNvPicPr>
+          <p:nvPr/>
+        </p:nvPicPr>
+        <p:blipFill rotWithShape="1">
+          <a:blip r:embed="rId2"/>
+          <a:srcRect l="15707" r="10153" b="2"/>
+          <a:stretch/>
+        </p:blipFill>
         <p:spPr>
           <a:xfrm>
-            <a:off x="960120" y="434101"/>
-            <a:ext cx="7169753" cy="1232750"/>
+            <a:off x="1" y="10"/>
+            <a:ext cx="5215066" cy="6857990"/>
+          </a:xfrm>
+          <a:custGeom>
+            <a:avLst/>
+            <a:gdLst/>
+            <a:ahLst/>
+            <a:cxnLst/>
+            <a:rect l="l" t="t" r="r" b="b"/>
+            <a:pathLst>
+              <a:path w="5215066" h="6845983">
+                <a:moveTo>
+                  <a:pt x="0" y="0"/>
+                </a:moveTo>
+                <a:lnTo>
+                  <a:pt x="3197713" y="0"/>
+                </a:lnTo>
+                <a:lnTo>
+                  <a:pt x="3259787" y="39795"/>
+                </a:lnTo>
+                <a:cubicBezTo>
+                  <a:pt x="4439462" y="836768"/>
+                  <a:pt x="5215066" y="2186425"/>
+                  <a:pt x="5215066" y="3717234"/>
+                </a:cubicBezTo>
+                <a:cubicBezTo>
+                  <a:pt x="5215066" y="4788800"/>
+                  <a:pt x="4835020" y="5771602"/>
+                  <a:pt x="4202364" y="6538204"/>
+                </a:cubicBezTo>
+                <a:lnTo>
+                  <a:pt x="3922635" y="6845983"/>
+                </a:lnTo>
+                <a:lnTo>
+                  <a:pt x="0" y="6845983"/>
+                </a:lnTo>
+                <a:close/>
+              </a:path>
+            </a:pathLst>
+          </a:custGeom>
+        </p:spPr>
+      </p:pic>
+      <p:sp>
+        <p:nvSpPr>
+          <p:cNvPr id="3" name="Content Placeholder 2"/>
+          <p:cNvSpPr>
+            <a:spLocks noGrp="1"/>
+          </p:cNvSpPr>
+          <p:nvPr>
+            <p:ph idx="1"/>
+          </p:nvPr>
+        </p:nvSpPr>
+        <p:spPr>
+          <a:xfrm>
+            <a:off x="5986332" y="2886500"/>
+            <a:ext cx="5443666" cy="3337721"/>
           </a:xfrm>
         </p:spPr>
         <p:txBody>
-          <a:bodyPr anchor="b">
+          <a:bodyPr>
             <a:normAutofit/>
           </a:bodyPr>
           <a:lstStyle/>
           <a:p>
-            <a:r>
-              <a:rPr lang="en-US" dirty="0">
-                <a:solidFill>
-                  <a:schemeClr val="bg1"/>
-                </a:solidFill>
-              </a:rPr>
-              <a:t>Database</a:t>
-            </a:r>
-          </a:p>
-        </p:txBody>
-      </p:sp>
-      <p:cxnSp>
-        <p:nvCxnSpPr>
-          <p:cNvPr id="13" name="Straight Connector 12">
+            <a:endParaRPr lang="en-US">
+              <a:solidFill>
+                <a:schemeClr val="tx1"/>
+              </a:solidFill>
+            </a:endParaRPr>
+          </a:p>
+        </p:txBody>
+      </p:sp>
+      <p:sp>
+        <p:nvSpPr>
+          <p:cNvPr id="25" name="Freeform 6">
             <a:extLst>
               <a:ext uri="{FF2B5EF4-FFF2-40B4-BE49-F238E27FC236}">
-                <a16:creationId xmlns:a16="http://schemas.microsoft.com/office/drawing/2014/main" id="{C6C21149-7D17-44C2-AFB6-4D931DC55FB1}"/>
+                <a16:creationId xmlns:a16="http://schemas.microsoft.com/office/drawing/2014/main" id="{D3686B33-4E07-4542-8F02-1876C8359B8D}"/>
               </a:ext>
               <a:ext uri="{C183D7F6-B498-43B3-948B-1728B52AA6E4}">
                 <adec:decorative xmlns:adec="http://schemas.microsoft.com/office/drawing/2017/decorative" val="1"/>
               </a:ext>
             </a:extLst>
           </p:cNvPr>
-          <p:cNvCxnSpPr>
-            <a:cxnSpLocks noGrp="1" noRot="1" noChangeAspect="1" noMove="1" noResize="1" noEditPoints="1" noAdjustHandles="1" noChangeArrowheads="1" noChangeShapeType="1"/>
-          </p:cNvCxnSpPr>
+          <p:cNvSpPr>
+            <a:spLocks noGrp="1" noRot="1" noChangeAspect="1" noMove="1" noResize="1" noEditPoints="1" noAdjustHandles="1" noChangeArrowheads="1" noChangeShapeType="1" noTextEdit="1"/>
+          </p:cNvSpPr>
           <p:nvPr>
             <p:extLst>
               <p:ext uri="{386F3935-93C4-4BCD-93E2-E3B085C9AB24}">
@@ -6397,62 +6860,10 @@
               </p:ext>
             </p:extLst>
           </p:nvPr>
-        </p:nvCxnSpPr>
-        <p:spPr>
-          <a:xfrm>
-            <a:off x="0" y="1676579"/>
-            <a:ext cx="8129873" cy="6020"/>
-          </a:xfrm>
-          <a:prstGeom prst="line">
-            <a:avLst/>
-          </a:prstGeom>
-          <a:ln w="25400">
-            <a:solidFill>
-              <a:schemeClr val="bg1"/>
-            </a:solidFill>
-          </a:ln>
-        </p:spPr>
-        <p:style>
-          <a:lnRef idx="1">
-            <a:schemeClr val="accent1"/>
-          </a:lnRef>
-          <a:fillRef idx="0">
-            <a:schemeClr val="accent1"/>
-          </a:fillRef>
-          <a:effectRef idx="0">
-            <a:schemeClr val="accent1"/>
-          </a:effectRef>
-          <a:fontRef idx="minor">
-            <a:schemeClr val="tx1"/>
-          </a:fontRef>
-        </p:style>
-      </p:cxnSp>
-      <p:sp>
-        <p:nvSpPr>
-          <p:cNvPr id="15" name="Freeform 6">
-            <a:extLst>
-              <a:ext uri="{FF2B5EF4-FFF2-40B4-BE49-F238E27FC236}">
-                <a16:creationId xmlns:a16="http://schemas.microsoft.com/office/drawing/2014/main" id="{C2E5FCF0-567A-448C-A6E3-920BFC702C2F}"/>
-              </a:ext>
-              <a:ext uri="{C183D7F6-B498-43B3-948B-1728B52AA6E4}">
-                <adec:decorative xmlns:adec="http://schemas.microsoft.com/office/drawing/2017/decorative" val="1"/>
-              </a:ext>
-            </a:extLst>
-          </p:cNvPr>
-          <p:cNvSpPr>
-            <a:spLocks noGrp="1" noRot="1" noChangeAspect="1" noMove="1" noResize="1" noEditPoints="1" noAdjustHandles="1" noChangeArrowheads="1" noChangeShapeType="1" noTextEdit="1"/>
-          </p:cNvSpPr>
-          <p:nvPr>
-            <p:extLst>
-              <p:ext uri="{386F3935-93C4-4BCD-93E2-E3B085C9AB24}">
-                <p16:designElem xmlns:p16="http://schemas.microsoft.com/office/powerpoint/2015/main" val="1"/>
-              </p:ext>
-            </p:extLst>
-          </p:nvPr>
         </p:nvSpPr>
         <p:spPr bwMode="auto">
           <a:xfrm>
-            <a:off x="11784011" y="938535"/>
+            <a:off x="11784011" y="5380579"/>
             <a:ext cx="407988" cy="819150"/>
           </a:xfrm>
           <a:custGeom>
@@ -6630,7 +7041,7 @@
             </a:pathLst>
           </a:custGeom>
           <a:solidFill>
-            <a:schemeClr val="bg2"/>
+            <a:schemeClr val="tx2"/>
           </a:solidFill>
           <a:ln w="0">
             <a:noFill/>
@@ -6648,32 +7059,6 @@
           </a:p>
         </p:txBody>
       </p:sp>
-      <p:sp>
-        <p:nvSpPr>
-          <p:cNvPr id="3" name="Content Placeholder 2"/>
-          <p:cNvSpPr>
-            <a:spLocks noGrp="1"/>
-          </p:cNvSpPr>
-          <p:nvPr>
-            <p:ph idx="1"/>
-          </p:nvPr>
-        </p:nvSpPr>
-        <p:spPr>
-          <a:xfrm>
-            <a:off x="960119" y="2942252"/>
-            <a:ext cx="10266681" cy="3172409"/>
-          </a:xfrm>
-        </p:spPr>
-        <p:txBody>
-          <a:bodyPr>
-            <a:normAutofit/>
-          </a:bodyPr>
-          <a:lstStyle/>
-          <a:p>
-            <a:endParaRPr/>
-          </a:p>
-        </p:txBody>
-      </p:sp>
     </p:spTree>
     <p:extLst>
       <p:ext uri="{BB962C8B-B14F-4D97-AF65-F5344CB8AC3E}">
@@ -6682,7 +7067,7 @@
     </p:extLst>
   </p:cSld>
   <p:clrMapOvr>
-    <a:masterClrMapping/>
+    <a:overrideClrMapping bg1="dk1" tx1="lt1" bg2="dk2" tx2="lt2" accent1="accent1" accent2="accent2" accent3="accent3" accent4="accent4" accent5="accent5" accent6="accent6" hlink="hlink" folHlink="folHlink"/>
   </p:clrMapOvr>
 </p:sld>
 </file>
@@ -6693,7 +7078,7 @@
     <p:bg>
       <p:bgPr>
         <a:solidFill>
-          <a:schemeClr val="bg2"/>
+          <a:schemeClr val="bg1"/>
         </a:solidFill>
         <a:effectLst/>
       </p:bgPr>
@@ -6714,10 +7099,10 @@
       </p:grpSpPr>
       <p:sp useBgFill="1">
         <p:nvSpPr>
-          <p:cNvPr id="9" name="Rectangle 8">
+          <p:cNvPr id="21" name="Rectangle 20">
             <a:extLst>
               <a:ext uri="{FF2B5EF4-FFF2-40B4-BE49-F238E27FC236}">
-                <a16:creationId xmlns:a16="http://schemas.microsoft.com/office/drawing/2014/main" id="{4281BC32-FF58-4898-A6B5-7B3D059BCEB0}"/>
+                <a16:creationId xmlns:a16="http://schemas.microsoft.com/office/drawing/2014/main" id="{2A0E4E09-FC02-4ADC-951A-3FFA90B6FE39}"/>
               </a:ext>
               <a:ext uri="{C183D7F6-B498-43B3-948B-1728B52AA6E4}">
                 <adec:decorative xmlns:adec="http://schemas.microsoft.com/office/drawing/2017/decorative" val="1"/>
@@ -6738,7 +7123,7 @@
         <p:spPr>
           <a:xfrm>
             <a:off x="0" y="0"/>
-            <a:ext cx="12192000" cy="6858000"/>
+            <a:ext cx="12191695" cy="6858000"/>
           </a:xfrm>
           <a:prstGeom prst="rect">
             <a:avLst/>
@@ -6774,10 +7159,44 @@
       </p:sp>
       <p:sp>
         <p:nvSpPr>
-          <p:cNvPr id="11" name="Rectangle 10">
+          <p:cNvPr id="2" name="Title 1"/>
+          <p:cNvSpPr>
+            <a:spLocks noGrp="1"/>
+          </p:cNvSpPr>
+          <p:nvPr>
+            <p:ph type="title"/>
+          </p:nvPr>
+        </p:nvSpPr>
+        <p:spPr>
+          <a:xfrm>
+            <a:off x="5986331" y="633779"/>
+            <a:ext cx="5443665" cy="2068478"/>
+          </a:xfrm>
+        </p:spPr>
+        <p:txBody>
+          <a:bodyPr>
+            <a:normAutofit/>
+          </a:bodyPr>
+          <a:lstStyle/>
+          <a:p>
+            <a:pPr algn="l"/>
+            <a:r>
+              <a:rPr lang="en-US">
+                <a:solidFill>
+                  <a:schemeClr val="tx1"/>
+                </a:solidFill>
+              </a:rPr>
+              <a:t>HTML</a:t>
+            </a:r>
+          </a:p>
+        </p:txBody>
+      </p:sp>
+      <p:sp>
+        <p:nvSpPr>
+          <p:cNvPr id="23" name="Freeform: Shape 22">
             <a:extLst>
               <a:ext uri="{FF2B5EF4-FFF2-40B4-BE49-F238E27FC236}">
-                <a16:creationId xmlns:a16="http://schemas.microsoft.com/office/drawing/2014/main" id="{0D614406-135F-4875-9C87-53822CB19ABB}"/>
+                <a16:creationId xmlns:a16="http://schemas.microsoft.com/office/drawing/2014/main" id="{5D44B584-65A7-4029-A075-505AA5EAEBB6}"/>
               </a:ext>
               <a:ext uri="{C183D7F6-B498-43B3-948B-1728B52AA6E4}">
                 <adec:decorative xmlns:adec="http://schemas.microsoft.com/office/drawing/2017/decorative" val="1"/>
@@ -6797,14 +7216,87 @@
         </p:nvSpPr>
         <p:spPr>
           <a:xfrm>
-            <a:off x="0" y="0"/>
-            <a:ext cx="12191999" cy="2285999"/>
+            <a:off x="1" y="0"/>
+            <a:ext cx="5443666" cy="6858000"/>
           </a:xfrm>
-          <a:prstGeom prst="rect">
+          <a:custGeom>
             <a:avLst/>
-          </a:prstGeom>
+            <a:gdLst>
+              <a:gd name="connsiteX0" fmla="*/ 0 w 5443666"/>
+              <a:gd name="connsiteY0" fmla="*/ 0 h 6845983"/>
+              <a:gd name="connsiteX1" fmla="*/ 3595564 w 5443666"/>
+              <a:gd name="connsiteY1" fmla="*/ 0 h 6845983"/>
+              <a:gd name="connsiteX2" fmla="*/ 3746607 w 5443666"/>
+              <a:gd name="connsiteY2" fmla="*/ 118697 h 6845983"/>
+              <a:gd name="connsiteX3" fmla="*/ 5443666 w 5443666"/>
+              <a:gd name="connsiteY3" fmla="*/ 3717234 h 6845983"/>
+              <a:gd name="connsiteX4" fmla="*/ 4378763 w 5443666"/>
+              <a:gd name="connsiteY4" fmla="*/ 6683615 h 6845983"/>
+              <a:gd name="connsiteX5" fmla="*/ 4238117 w 5443666"/>
+              <a:gd name="connsiteY5" fmla="*/ 6845983 h 6845983"/>
+              <a:gd name="connsiteX6" fmla="*/ 0 w 5443666"/>
+              <a:gd name="connsiteY6" fmla="*/ 6845983 h 6845983"/>
+            </a:gdLst>
+            <a:ahLst/>
+            <a:cxnLst>
+              <a:cxn ang="0">
+                <a:pos x="connsiteX0" y="connsiteY0"/>
+              </a:cxn>
+              <a:cxn ang="0">
+                <a:pos x="connsiteX1" y="connsiteY1"/>
+              </a:cxn>
+              <a:cxn ang="0">
+                <a:pos x="connsiteX2" y="connsiteY2"/>
+              </a:cxn>
+              <a:cxn ang="0">
+                <a:pos x="connsiteX3" y="connsiteY3"/>
+              </a:cxn>
+              <a:cxn ang="0">
+                <a:pos x="connsiteX4" y="connsiteY4"/>
+              </a:cxn>
+              <a:cxn ang="0">
+                <a:pos x="connsiteX5" y="connsiteY5"/>
+              </a:cxn>
+              <a:cxn ang="0">
+                <a:pos x="connsiteX6" y="connsiteY6"/>
+              </a:cxn>
+            </a:cxnLst>
+            <a:rect l="l" t="t" r="r" b="b"/>
+            <a:pathLst>
+              <a:path w="5443666" h="6845983">
+                <a:moveTo>
+                  <a:pt x="0" y="0"/>
+                </a:moveTo>
+                <a:lnTo>
+                  <a:pt x="3595564" y="0"/>
+                </a:lnTo>
+                <a:lnTo>
+                  <a:pt x="3746607" y="118697"/>
+                </a:lnTo>
+                <a:cubicBezTo>
+                  <a:pt x="4783044" y="974041"/>
+                  <a:pt x="5443666" y="2268489"/>
+                  <a:pt x="5443666" y="3717234"/>
+                </a:cubicBezTo>
+                <a:cubicBezTo>
+                  <a:pt x="5443666" y="4844036"/>
+                  <a:pt x="5044030" y="5877498"/>
+                  <a:pt x="4378763" y="6683615"/>
+                </a:cubicBezTo>
+                <a:lnTo>
+                  <a:pt x="4238117" y="6845983"/>
+                </a:lnTo>
+                <a:lnTo>
+                  <a:pt x="0" y="6845983"/>
+                </a:lnTo>
+                <a:close/>
+              </a:path>
+            </a:pathLst>
+          </a:custGeom>
           <a:solidFill>
-            <a:schemeClr val="tx1"/>
+            <a:schemeClr val="tx1">
+              <a:alpha val="80000"/>
+            </a:schemeClr>
           </a:solidFill>
           <a:ln>
             <a:noFill/>
@@ -6827,7 +7319,9 @@
           </a:fontRef>
         </p:style>
         <p:txBody>
-          <a:bodyPr rtlCol="0" anchor="ctr"/>
+          <a:bodyPr wrap="square" rtlCol="0" anchor="ctr">
+            <a:noAutofit/>
+          </a:bodyPr>
           <a:lstStyle/>
           <a:p>
             <a:pPr algn="ctr"/>
@@ -6835,54 +7329,114 @@
           </a:p>
         </p:txBody>
       </p:sp>
-      <p:sp>
-        <p:nvSpPr>
-          <p:cNvPr id="2" name="Title 1"/>
-          <p:cNvSpPr>
-            <a:spLocks noGrp="1"/>
-          </p:cNvSpPr>
-          <p:nvPr>
-            <p:ph type="title"/>
-          </p:nvPr>
-        </p:nvSpPr>
+      <p:pic>
+        <p:nvPicPr>
+          <p:cNvPr id="17" name="Picture 16" descr="Computerskript auf einem Bildschirm">
+            <a:extLst>
+              <a:ext uri="{FF2B5EF4-FFF2-40B4-BE49-F238E27FC236}">
+                <a16:creationId xmlns:a16="http://schemas.microsoft.com/office/drawing/2014/main" id="{652ACAC2-11FF-90C4-60F0-976A2801B99E}"/>
+              </a:ext>
+            </a:extLst>
+          </p:cNvPr>
+          <p:cNvPicPr>
+            <a:picLocks noChangeAspect="1"/>
+          </p:cNvPicPr>
+          <p:nvPr/>
+        </p:nvPicPr>
+        <p:blipFill rotWithShape="1">
+          <a:blip r:embed="rId2"/>
+          <a:srcRect l="4734" r="44506" b="-1"/>
+          <a:stretch/>
+        </p:blipFill>
         <p:spPr>
           <a:xfrm>
-            <a:off x="960120" y="434101"/>
-            <a:ext cx="7169753" cy="1232750"/>
+            <a:off x="1" y="10"/>
+            <a:ext cx="5215066" cy="6857990"/>
+          </a:xfrm>
+          <a:custGeom>
+            <a:avLst/>
+            <a:gdLst/>
+            <a:ahLst/>
+            <a:cxnLst/>
+            <a:rect l="l" t="t" r="r" b="b"/>
+            <a:pathLst>
+              <a:path w="5215066" h="6845983">
+                <a:moveTo>
+                  <a:pt x="0" y="0"/>
+                </a:moveTo>
+                <a:lnTo>
+                  <a:pt x="3197713" y="0"/>
+                </a:lnTo>
+                <a:lnTo>
+                  <a:pt x="3259787" y="39795"/>
+                </a:lnTo>
+                <a:cubicBezTo>
+                  <a:pt x="4439462" y="836768"/>
+                  <a:pt x="5215066" y="2186425"/>
+                  <a:pt x="5215066" y="3717234"/>
+                </a:cubicBezTo>
+                <a:cubicBezTo>
+                  <a:pt x="5215066" y="4788800"/>
+                  <a:pt x="4835020" y="5771602"/>
+                  <a:pt x="4202364" y="6538204"/>
+                </a:cubicBezTo>
+                <a:lnTo>
+                  <a:pt x="3922635" y="6845983"/>
+                </a:lnTo>
+                <a:lnTo>
+                  <a:pt x="0" y="6845983"/>
+                </a:lnTo>
+                <a:close/>
+              </a:path>
+            </a:pathLst>
+          </a:custGeom>
+        </p:spPr>
+      </p:pic>
+      <p:sp>
+        <p:nvSpPr>
+          <p:cNvPr id="3" name="Content Placeholder 2"/>
+          <p:cNvSpPr>
+            <a:spLocks noGrp="1"/>
+          </p:cNvSpPr>
+          <p:nvPr>
+            <p:ph idx="1"/>
+          </p:nvPr>
+        </p:nvSpPr>
+        <p:spPr>
+          <a:xfrm>
+            <a:off x="5986332" y="2886500"/>
+            <a:ext cx="5443666" cy="3337721"/>
           </a:xfrm>
         </p:spPr>
         <p:txBody>
-          <a:bodyPr anchor="b">
+          <a:bodyPr>
             <a:normAutofit/>
           </a:bodyPr>
           <a:lstStyle/>
           <a:p>
-            <a:r>
-              <a:rPr lang="en-US" dirty="0">
-                <a:solidFill>
-                  <a:schemeClr val="bg1"/>
-                </a:solidFill>
-              </a:rPr>
-              <a:t>HTML</a:t>
-            </a:r>
-          </a:p>
-        </p:txBody>
-      </p:sp>
-      <p:cxnSp>
-        <p:nvCxnSpPr>
-          <p:cNvPr id="13" name="Straight Connector 12">
+            <a:endParaRPr lang="en-US">
+              <a:solidFill>
+                <a:schemeClr val="tx1"/>
+              </a:solidFill>
+            </a:endParaRPr>
+          </a:p>
+        </p:txBody>
+      </p:sp>
+      <p:sp>
+        <p:nvSpPr>
+          <p:cNvPr id="25" name="Freeform 6">
             <a:extLst>
               <a:ext uri="{FF2B5EF4-FFF2-40B4-BE49-F238E27FC236}">
-                <a16:creationId xmlns:a16="http://schemas.microsoft.com/office/drawing/2014/main" id="{C6C21149-7D17-44C2-AFB6-4D931DC55FB1}"/>
+                <a16:creationId xmlns:a16="http://schemas.microsoft.com/office/drawing/2014/main" id="{D3686B33-4E07-4542-8F02-1876C8359B8D}"/>
               </a:ext>
               <a:ext uri="{C183D7F6-B498-43B3-948B-1728B52AA6E4}">
                 <adec:decorative xmlns:adec="http://schemas.microsoft.com/office/drawing/2017/decorative" val="1"/>
               </a:ext>
             </a:extLst>
           </p:cNvPr>
-          <p:cNvCxnSpPr>
-            <a:cxnSpLocks noGrp="1" noRot="1" noChangeAspect="1" noMove="1" noResize="1" noEditPoints="1" noAdjustHandles="1" noChangeArrowheads="1" noChangeShapeType="1"/>
-          </p:cNvCxnSpPr>
+          <p:cNvSpPr>
+            <a:spLocks noGrp="1" noRot="1" noChangeAspect="1" noMove="1" noResize="1" noEditPoints="1" noAdjustHandles="1" noChangeArrowheads="1" noChangeShapeType="1" noTextEdit="1"/>
+          </p:cNvSpPr>
           <p:nvPr>
             <p:extLst>
               <p:ext uri="{386F3935-93C4-4BCD-93E2-E3B085C9AB24}">
@@ -6890,62 +7444,10 @@
               </p:ext>
             </p:extLst>
           </p:nvPr>
-        </p:nvCxnSpPr>
-        <p:spPr>
-          <a:xfrm>
-            <a:off x="0" y="1676579"/>
-            <a:ext cx="8129873" cy="6020"/>
-          </a:xfrm>
-          <a:prstGeom prst="line">
-            <a:avLst/>
-          </a:prstGeom>
-          <a:ln w="25400">
-            <a:solidFill>
-              <a:schemeClr val="bg1"/>
-            </a:solidFill>
-          </a:ln>
-        </p:spPr>
-        <p:style>
-          <a:lnRef idx="1">
-            <a:schemeClr val="accent1"/>
-          </a:lnRef>
-          <a:fillRef idx="0">
-            <a:schemeClr val="accent1"/>
-          </a:fillRef>
-          <a:effectRef idx="0">
-            <a:schemeClr val="accent1"/>
-          </a:effectRef>
-          <a:fontRef idx="minor">
-            <a:schemeClr val="tx1"/>
-          </a:fontRef>
-        </p:style>
-      </p:cxnSp>
-      <p:sp>
-        <p:nvSpPr>
-          <p:cNvPr id="15" name="Freeform 6">
-            <a:extLst>
-              <a:ext uri="{FF2B5EF4-FFF2-40B4-BE49-F238E27FC236}">
-                <a16:creationId xmlns:a16="http://schemas.microsoft.com/office/drawing/2014/main" id="{C2E5FCF0-567A-448C-A6E3-920BFC702C2F}"/>
-              </a:ext>
-              <a:ext uri="{C183D7F6-B498-43B3-948B-1728B52AA6E4}">
-                <adec:decorative xmlns:adec="http://schemas.microsoft.com/office/drawing/2017/decorative" val="1"/>
-              </a:ext>
-            </a:extLst>
-          </p:cNvPr>
-          <p:cNvSpPr>
-            <a:spLocks noGrp="1" noRot="1" noChangeAspect="1" noMove="1" noResize="1" noEditPoints="1" noAdjustHandles="1" noChangeArrowheads="1" noChangeShapeType="1" noTextEdit="1"/>
-          </p:cNvSpPr>
-          <p:nvPr>
-            <p:extLst>
-              <p:ext uri="{386F3935-93C4-4BCD-93E2-E3B085C9AB24}">
-                <p16:designElem xmlns:p16="http://schemas.microsoft.com/office/powerpoint/2015/main" val="1"/>
-              </p:ext>
-            </p:extLst>
-          </p:nvPr>
         </p:nvSpPr>
         <p:spPr bwMode="auto">
           <a:xfrm>
-            <a:off x="11784011" y="938535"/>
+            <a:off x="11784011" y="5380579"/>
             <a:ext cx="407988" cy="819150"/>
           </a:xfrm>
           <a:custGeom>
@@ -7123,7 +7625,7 @@
             </a:pathLst>
           </a:custGeom>
           <a:solidFill>
-            <a:schemeClr val="bg2"/>
+            <a:schemeClr val="tx2"/>
           </a:solidFill>
           <a:ln w="0">
             <a:noFill/>
@@ -7138,32 +7640,6 @@
           <a:lstStyle/>
           <a:p>
             <a:endParaRPr lang="en-US"/>
-          </a:p>
-        </p:txBody>
-      </p:sp>
-      <p:sp>
-        <p:nvSpPr>
-          <p:cNvPr id="3" name="Content Placeholder 2"/>
-          <p:cNvSpPr>
-            <a:spLocks noGrp="1"/>
-          </p:cNvSpPr>
-          <p:nvPr>
-            <p:ph idx="1"/>
-          </p:nvPr>
-        </p:nvSpPr>
-        <p:spPr>
-          <a:xfrm>
-            <a:off x="960119" y="2942252"/>
-            <a:ext cx="10266681" cy="3172409"/>
-          </a:xfrm>
-        </p:spPr>
-        <p:txBody>
-          <a:bodyPr>
-            <a:normAutofit/>
-          </a:bodyPr>
-          <a:lstStyle/>
-          <a:p>
-            <a:endParaRPr/>
           </a:p>
         </p:txBody>
       </p:sp>
@@ -7207,10 +7683,10 @@
       </p:grpSpPr>
       <p:sp useBgFill="1">
         <p:nvSpPr>
-          <p:cNvPr id="9" name="Rectangle 8">
+          <p:cNvPr id="27" name="Rectangle 26">
             <a:extLst>
               <a:ext uri="{FF2B5EF4-FFF2-40B4-BE49-F238E27FC236}">
-                <a16:creationId xmlns:a16="http://schemas.microsoft.com/office/drawing/2014/main" id="{4281BC32-FF58-4898-A6B5-7B3D059BCEB0}"/>
+                <a16:creationId xmlns:a16="http://schemas.microsoft.com/office/drawing/2014/main" id="{2A0E4E09-FC02-4ADC-951A-3FFA90B6FE39}"/>
               </a:ext>
               <a:ext uri="{C183D7F6-B498-43B3-948B-1728B52AA6E4}">
                 <adec:decorative xmlns:adec="http://schemas.microsoft.com/office/drawing/2017/decorative" val="1"/>
@@ -7231,7 +7707,7 @@
         <p:spPr>
           <a:xfrm>
             <a:off x="0" y="0"/>
-            <a:ext cx="12192000" cy="6858000"/>
+            <a:ext cx="12191695" cy="6858000"/>
           </a:xfrm>
           <a:prstGeom prst="rect">
             <a:avLst/>
@@ -7267,10 +7743,44 @@
       </p:sp>
       <p:sp>
         <p:nvSpPr>
-          <p:cNvPr id="11" name="Rectangle 10">
+          <p:cNvPr id="2" name="Title 1"/>
+          <p:cNvSpPr>
+            <a:spLocks noGrp="1"/>
+          </p:cNvSpPr>
+          <p:nvPr>
+            <p:ph type="title"/>
+          </p:nvPr>
+        </p:nvSpPr>
+        <p:spPr>
+          <a:xfrm>
+            <a:off x="5986331" y="633779"/>
+            <a:ext cx="5443665" cy="2068478"/>
+          </a:xfrm>
+        </p:spPr>
+        <p:txBody>
+          <a:bodyPr>
+            <a:normAutofit/>
+          </a:bodyPr>
+          <a:lstStyle/>
+          <a:p>
+            <a:pPr algn="l"/>
+            <a:r>
+              <a:rPr lang="en-US">
+                <a:solidFill>
+                  <a:schemeClr val="tx1"/>
+                </a:solidFill>
+              </a:rPr>
+              <a:t>Python Flask API </a:t>
+            </a:r>
+          </a:p>
+        </p:txBody>
+      </p:sp>
+      <p:sp>
+        <p:nvSpPr>
+          <p:cNvPr id="28" name="Freeform: Shape 27">
             <a:extLst>
               <a:ext uri="{FF2B5EF4-FFF2-40B4-BE49-F238E27FC236}">
-                <a16:creationId xmlns:a16="http://schemas.microsoft.com/office/drawing/2014/main" id="{0D614406-135F-4875-9C87-53822CB19ABB}"/>
+                <a16:creationId xmlns:a16="http://schemas.microsoft.com/office/drawing/2014/main" id="{5D44B584-65A7-4029-A075-505AA5EAEBB6}"/>
               </a:ext>
               <a:ext uri="{C183D7F6-B498-43B3-948B-1728B52AA6E4}">
                 <adec:decorative xmlns:adec="http://schemas.microsoft.com/office/drawing/2017/decorative" val="1"/>
@@ -7290,14 +7800,87 @@
         </p:nvSpPr>
         <p:spPr>
           <a:xfrm>
-            <a:off x="0" y="0"/>
-            <a:ext cx="12191999" cy="2285999"/>
+            <a:off x="1" y="0"/>
+            <a:ext cx="5443666" cy="6858000"/>
           </a:xfrm>
-          <a:prstGeom prst="rect">
+          <a:custGeom>
             <a:avLst/>
-          </a:prstGeom>
+            <a:gdLst>
+              <a:gd name="connsiteX0" fmla="*/ 0 w 5443666"/>
+              <a:gd name="connsiteY0" fmla="*/ 0 h 6845983"/>
+              <a:gd name="connsiteX1" fmla="*/ 3595564 w 5443666"/>
+              <a:gd name="connsiteY1" fmla="*/ 0 h 6845983"/>
+              <a:gd name="connsiteX2" fmla="*/ 3746607 w 5443666"/>
+              <a:gd name="connsiteY2" fmla="*/ 118697 h 6845983"/>
+              <a:gd name="connsiteX3" fmla="*/ 5443666 w 5443666"/>
+              <a:gd name="connsiteY3" fmla="*/ 3717234 h 6845983"/>
+              <a:gd name="connsiteX4" fmla="*/ 4378763 w 5443666"/>
+              <a:gd name="connsiteY4" fmla="*/ 6683615 h 6845983"/>
+              <a:gd name="connsiteX5" fmla="*/ 4238117 w 5443666"/>
+              <a:gd name="connsiteY5" fmla="*/ 6845983 h 6845983"/>
+              <a:gd name="connsiteX6" fmla="*/ 0 w 5443666"/>
+              <a:gd name="connsiteY6" fmla="*/ 6845983 h 6845983"/>
+            </a:gdLst>
+            <a:ahLst/>
+            <a:cxnLst>
+              <a:cxn ang="0">
+                <a:pos x="connsiteX0" y="connsiteY0"/>
+              </a:cxn>
+              <a:cxn ang="0">
+                <a:pos x="connsiteX1" y="connsiteY1"/>
+              </a:cxn>
+              <a:cxn ang="0">
+                <a:pos x="connsiteX2" y="connsiteY2"/>
+              </a:cxn>
+              <a:cxn ang="0">
+                <a:pos x="connsiteX3" y="connsiteY3"/>
+              </a:cxn>
+              <a:cxn ang="0">
+                <a:pos x="connsiteX4" y="connsiteY4"/>
+              </a:cxn>
+              <a:cxn ang="0">
+                <a:pos x="connsiteX5" y="connsiteY5"/>
+              </a:cxn>
+              <a:cxn ang="0">
+                <a:pos x="connsiteX6" y="connsiteY6"/>
+              </a:cxn>
+            </a:cxnLst>
+            <a:rect l="l" t="t" r="r" b="b"/>
+            <a:pathLst>
+              <a:path w="5443666" h="6845983">
+                <a:moveTo>
+                  <a:pt x="0" y="0"/>
+                </a:moveTo>
+                <a:lnTo>
+                  <a:pt x="3595564" y="0"/>
+                </a:lnTo>
+                <a:lnTo>
+                  <a:pt x="3746607" y="118697"/>
+                </a:lnTo>
+                <a:cubicBezTo>
+                  <a:pt x="4783044" y="974041"/>
+                  <a:pt x="5443666" y="2268489"/>
+                  <a:pt x="5443666" y="3717234"/>
+                </a:cubicBezTo>
+                <a:cubicBezTo>
+                  <a:pt x="5443666" y="4844036"/>
+                  <a:pt x="5044030" y="5877498"/>
+                  <a:pt x="4378763" y="6683615"/>
+                </a:cubicBezTo>
+                <a:lnTo>
+                  <a:pt x="4238117" y="6845983"/>
+                </a:lnTo>
+                <a:lnTo>
+                  <a:pt x="0" y="6845983"/>
+                </a:lnTo>
+                <a:close/>
+              </a:path>
+            </a:pathLst>
+          </a:custGeom>
           <a:solidFill>
-            <a:schemeClr val="tx1"/>
+            <a:schemeClr val="tx1">
+              <a:alpha val="80000"/>
+            </a:schemeClr>
           </a:solidFill>
           <a:ln>
             <a:noFill/>
@@ -7320,7 +7903,9 @@
           </a:fontRef>
         </p:style>
         <p:txBody>
-          <a:bodyPr rtlCol="0" anchor="ctr"/>
+          <a:bodyPr wrap="square" rtlCol="0" anchor="ctr">
+            <a:noAutofit/>
+          </a:bodyPr>
           <a:lstStyle/>
           <a:p>
             <a:pPr algn="ctr"/>
@@ -7328,54 +7913,114 @@
           </a:p>
         </p:txBody>
       </p:sp>
-      <p:sp>
-        <p:nvSpPr>
-          <p:cNvPr id="2" name="Title 1"/>
-          <p:cNvSpPr>
-            <a:spLocks noGrp="1"/>
-          </p:cNvSpPr>
-          <p:nvPr>
-            <p:ph type="title"/>
-          </p:nvPr>
-        </p:nvSpPr>
+      <p:pic>
+        <p:nvPicPr>
+          <p:cNvPr id="29" name="Picture 28" descr="Yellow python">
+            <a:extLst>
+              <a:ext uri="{FF2B5EF4-FFF2-40B4-BE49-F238E27FC236}">
+                <a16:creationId xmlns:a16="http://schemas.microsoft.com/office/drawing/2014/main" id="{539A9C92-6181-8CEB-1CCE-90CBBCE6FF2F}"/>
+              </a:ext>
+            </a:extLst>
+          </p:cNvPr>
+          <p:cNvPicPr>
+            <a:picLocks noChangeAspect="1"/>
+          </p:cNvPicPr>
+          <p:nvPr/>
+        </p:nvPicPr>
+        <p:blipFill rotWithShape="1">
+          <a:blip r:embed="rId2"/>
+          <a:srcRect l="19563" r="29297" b="-2"/>
+          <a:stretch/>
+        </p:blipFill>
         <p:spPr>
           <a:xfrm>
-            <a:off x="960120" y="434101"/>
-            <a:ext cx="7169753" cy="1232750"/>
+            <a:off x="1" y="10"/>
+            <a:ext cx="5215066" cy="6857990"/>
+          </a:xfrm>
+          <a:custGeom>
+            <a:avLst/>
+            <a:gdLst/>
+            <a:ahLst/>
+            <a:cxnLst/>
+            <a:rect l="l" t="t" r="r" b="b"/>
+            <a:pathLst>
+              <a:path w="5215066" h="6845983">
+                <a:moveTo>
+                  <a:pt x="0" y="0"/>
+                </a:moveTo>
+                <a:lnTo>
+                  <a:pt x="3197713" y="0"/>
+                </a:lnTo>
+                <a:lnTo>
+                  <a:pt x="3259787" y="39795"/>
+                </a:lnTo>
+                <a:cubicBezTo>
+                  <a:pt x="4439462" y="836768"/>
+                  <a:pt x="5215066" y="2186425"/>
+                  <a:pt x="5215066" y="3717234"/>
+                </a:cubicBezTo>
+                <a:cubicBezTo>
+                  <a:pt x="5215066" y="4788800"/>
+                  <a:pt x="4835020" y="5771602"/>
+                  <a:pt x="4202364" y="6538204"/>
+                </a:cubicBezTo>
+                <a:lnTo>
+                  <a:pt x="3922635" y="6845983"/>
+                </a:lnTo>
+                <a:lnTo>
+                  <a:pt x="0" y="6845983"/>
+                </a:lnTo>
+                <a:close/>
+              </a:path>
+            </a:pathLst>
+          </a:custGeom>
+        </p:spPr>
+      </p:pic>
+      <p:sp>
+        <p:nvSpPr>
+          <p:cNvPr id="3" name="Content Placeholder 2"/>
+          <p:cNvSpPr>
+            <a:spLocks noGrp="1"/>
+          </p:cNvSpPr>
+          <p:nvPr>
+            <p:ph idx="1"/>
+          </p:nvPr>
+        </p:nvSpPr>
+        <p:spPr>
+          <a:xfrm>
+            <a:off x="5986332" y="2886500"/>
+            <a:ext cx="5443666" cy="3337721"/>
           </a:xfrm>
         </p:spPr>
         <p:txBody>
-          <a:bodyPr anchor="b">
+          <a:bodyPr>
             <a:normAutofit/>
           </a:bodyPr>
           <a:lstStyle/>
           <a:p>
-            <a:r>
-              <a:rPr lang="en-US" dirty="0">
-                <a:solidFill>
-                  <a:schemeClr val="bg1"/>
-                </a:solidFill>
-              </a:rPr>
-              <a:t>Python Flask API </a:t>
-            </a:r>
-          </a:p>
-        </p:txBody>
-      </p:sp>
-      <p:cxnSp>
-        <p:nvCxnSpPr>
-          <p:cNvPr id="13" name="Straight Connector 12">
+            <a:endParaRPr lang="en-US">
+              <a:solidFill>
+                <a:schemeClr val="tx1"/>
+              </a:solidFill>
+            </a:endParaRPr>
+          </a:p>
+        </p:txBody>
+      </p:sp>
+      <p:sp>
+        <p:nvSpPr>
+          <p:cNvPr id="30" name="Freeform 6">
             <a:extLst>
               <a:ext uri="{FF2B5EF4-FFF2-40B4-BE49-F238E27FC236}">
-                <a16:creationId xmlns:a16="http://schemas.microsoft.com/office/drawing/2014/main" id="{C6C21149-7D17-44C2-AFB6-4D931DC55FB1}"/>
+                <a16:creationId xmlns:a16="http://schemas.microsoft.com/office/drawing/2014/main" id="{D3686B33-4E07-4542-8F02-1876C8359B8D}"/>
               </a:ext>
               <a:ext uri="{C183D7F6-B498-43B3-948B-1728B52AA6E4}">
                 <adec:decorative xmlns:adec="http://schemas.microsoft.com/office/drawing/2017/decorative" val="1"/>
               </a:ext>
             </a:extLst>
           </p:cNvPr>
-          <p:cNvCxnSpPr>
-            <a:cxnSpLocks noGrp="1" noRot="1" noChangeAspect="1" noMove="1" noResize="1" noEditPoints="1" noAdjustHandles="1" noChangeArrowheads="1" noChangeShapeType="1"/>
-          </p:cNvCxnSpPr>
+          <p:cNvSpPr>
+            <a:spLocks noGrp="1" noRot="1" noChangeAspect="1" noMove="1" noResize="1" noEditPoints="1" noAdjustHandles="1" noChangeArrowheads="1" noChangeShapeType="1" noTextEdit="1"/>
+          </p:cNvSpPr>
           <p:nvPr>
             <p:extLst>
               <p:ext uri="{386F3935-93C4-4BCD-93E2-E3B085C9AB24}">
@@ -7383,62 +8028,10 @@
               </p:ext>
             </p:extLst>
           </p:nvPr>
-        </p:nvCxnSpPr>
-        <p:spPr>
-          <a:xfrm>
-            <a:off x="0" y="1676579"/>
-            <a:ext cx="8129873" cy="6020"/>
-          </a:xfrm>
-          <a:prstGeom prst="line">
-            <a:avLst/>
-          </a:prstGeom>
-          <a:ln w="25400">
-            <a:solidFill>
-              <a:schemeClr val="bg1"/>
-            </a:solidFill>
-          </a:ln>
-        </p:spPr>
-        <p:style>
-          <a:lnRef idx="1">
-            <a:schemeClr val="accent1"/>
-          </a:lnRef>
-          <a:fillRef idx="0">
-            <a:schemeClr val="accent1"/>
-          </a:fillRef>
-          <a:effectRef idx="0">
-            <a:schemeClr val="accent1"/>
-          </a:effectRef>
-          <a:fontRef idx="minor">
-            <a:schemeClr val="tx1"/>
-          </a:fontRef>
-        </p:style>
-      </p:cxnSp>
-      <p:sp>
-        <p:nvSpPr>
-          <p:cNvPr id="15" name="Freeform 6">
-            <a:extLst>
-              <a:ext uri="{FF2B5EF4-FFF2-40B4-BE49-F238E27FC236}">
-                <a16:creationId xmlns:a16="http://schemas.microsoft.com/office/drawing/2014/main" id="{C2E5FCF0-567A-448C-A6E3-920BFC702C2F}"/>
-              </a:ext>
-              <a:ext uri="{C183D7F6-B498-43B3-948B-1728B52AA6E4}">
-                <adec:decorative xmlns:adec="http://schemas.microsoft.com/office/drawing/2017/decorative" val="1"/>
-              </a:ext>
-            </a:extLst>
-          </p:cNvPr>
-          <p:cNvSpPr>
-            <a:spLocks noGrp="1" noRot="1" noChangeAspect="1" noMove="1" noResize="1" noEditPoints="1" noAdjustHandles="1" noChangeArrowheads="1" noChangeShapeType="1" noTextEdit="1"/>
-          </p:cNvSpPr>
-          <p:nvPr>
-            <p:extLst>
-              <p:ext uri="{386F3935-93C4-4BCD-93E2-E3B085C9AB24}">
-                <p16:designElem xmlns:p16="http://schemas.microsoft.com/office/powerpoint/2015/main" val="1"/>
-              </p:ext>
-            </p:extLst>
-          </p:nvPr>
         </p:nvSpPr>
         <p:spPr bwMode="auto">
           <a:xfrm>
-            <a:off x="11784011" y="938535"/>
+            <a:off x="11784011" y="5380579"/>
             <a:ext cx="407988" cy="819150"/>
           </a:xfrm>
           <a:custGeom>
@@ -7616,7 +8209,7 @@
             </a:pathLst>
           </a:custGeom>
           <a:solidFill>
-            <a:schemeClr val="bg2"/>
+            <a:schemeClr val="tx2"/>
           </a:solidFill>
           <a:ln w="0">
             <a:noFill/>
@@ -7634,32 +8227,6 @@
           </a:p>
         </p:txBody>
       </p:sp>
-      <p:sp>
-        <p:nvSpPr>
-          <p:cNvPr id="3" name="Content Placeholder 2"/>
-          <p:cNvSpPr>
-            <a:spLocks noGrp="1"/>
-          </p:cNvSpPr>
-          <p:nvPr>
-            <p:ph idx="1"/>
-          </p:nvPr>
-        </p:nvSpPr>
-        <p:spPr>
-          <a:xfrm>
-            <a:off x="960119" y="2942252"/>
-            <a:ext cx="10266681" cy="3172409"/>
-          </a:xfrm>
-        </p:spPr>
-        <p:txBody>
-          <a:bodyPr>
-            <a:normAutofit/>
-          </a:bodyPr>
-          <a:lstStyle/>
-          <a:p>
-            <a:endParaRPr dirty="0"/>
-          </a:p>
-        </p:txBody>
-      </p:sp>
     </p:spTree>
     <p:extLst>
       <p:ext uri="{BB962C8B-B14F-4D97-AF65-F5344CB8AC3E}">
@@ -7668,7 +8235,7 @@
     </p:extLst>
   </p:cSld>
   <p:clrMapOvr>
-    <a:masterClrMapping/>
+    <a:overrideClrMapping bg1="dk1" tx1="lt1" bg2="dk2" tx2="lt2" accent1="accent1" accent2="accent2" accent3="accent3" accent4="accent4" accent5="accent5" accent6="accent6" hlink="hlink" folHlink="folHlink"/>
   </p:clrMapOvr>
 </p:sld>
 </file>
@@ -7700,10 +8267,10 @@
       </p:grpSpPr>
       <p:sp useBgFill="1">
         <p:nvSpPr>
-          <p:cNvPr id="9" name="Rectangle 8">
+          <p:cNvPr id="21" name="Rectangle 20">
             <a:extLst>
               <a:ext uri="{FF2B5EF4-FFF2-40B4-BE49-F238E27FC236}">
-                <a16:creationId xmlns:a16="http://schemas.microsoft.com/office/drawing/2014/main" id="{4281BC32-FF58-4898-A6B5-7B3D059BCEB0}"/>
+                <a16:creationId xmlns:a16="http://schemas.microsoft.com/office/drawing/2014/main" id="{2A0E4E09-FC02-4ADC-951A-3FFA90B6FE39}"/>
               </a:ext>
               <a:ext uri="{C183D7F6-B498-43B3-948B-1728B52AA6E4}">
                 <adec:decorative xmlns:adec="http://schemas.microsoft.com/office/drawing/2017/decorative" val="1"/>
@@ -7724,7 +8291,7 @@
         <p:spPr>
           <a:xfrm>
             <a:off x="0" y="0"/>
-            <a:ext cx="12192000" cy="6858000"/>
+            <a:ext cx="12191695" cy="6858000"/>
           </a:xfrm>
           <a:prstGeom prst="rect">
             <a:avLst/>
@@ -7760,10 +8327,59 @@
       </p:sp>
       <p:sp>
         <p:nvSpPr>
-          <p:cNvPr id="11" name="Rectangle 10">
+          <p:cNvPr id="2" name="Title 1"/>
+          <p:cNvSpPr>
+            <a:spLocks noGrp="1"/>
+          </p:cNvSpPr>
+          <p:nvPr>
+            <p:ph type="title"/>
+          </p:nvPr>
+        </p:nvSpPr>
+        <p:spPr>
+          <a:xfrm>
+            <a:off x="5986331" y="633779"/>
+            <a:ext cx="5443665" cy="2068478"/>
+          </a:xfrm>
+        </p:spPr>
+        <p:txBody>
+          <a:bodyPr>
+            <a:normAutofit/>
+          </a:bodyPr>
+          <a:lstStyle/>
+          <a:p>
+            <a:pPr algn="l"/>
+            <a:r>
+              <a:rPr lang="en-US" sz="4600">
+                <a:solidFill>
+                  <a:schemeClr val="tx1"/>
+                </a:solidFill>
+              </a:rPr>
+              <a:t>JavaScript GeoJson </a:t>
+            </a:r>
+            <a:br>
+              <a:rPr lang="en-US" sz="4600">
+                <a:solidFill>
+                  <a:schemeClr val="tx1"/>
+                </a:solidFill>
+              </a:rPr>
+            </a:br>
+            <a:r>
+              <a:rPr lang="en-US" sz="4600">
+                <a:solidFill>
+                  <a:schemeClr val="tx1"/>
+                </a:solidFill>
+              </a:rPr>
+              <a:t>with Leaflet</a:t>
+            </a:r>
+          </a:p>
+        </p:txBody>
+      </p:sp>
+      <p:sp>
+        <p:nvSpPr>
+          <p:cNvPr id="23" name="Freeform: Shape 22">
             <a:extLst>
               <a:ext uri="{FF2B5EF4-FFF2-40B4-BE49-F238E27FC236}">
-                <a16:creationId xmlns:a16="http://schemas.microsoft.com/office/drawing/2014/main" id="{0D614406-135F-4875-9C87-53822CB19ABB}"/>
+                <a16:creationId xmlns:a16="http://schemas.microsoft.com/office/drawing/2014/main" id="{5D44B584-65A7-4029-A075-505AA5EAEBB6}"/>
               </a:ext>
               <a:ext uri="{C183D7F6-B498-43B3-948B-1728B52AA6E4}">
                 <adec:decorative xmlns:adec="http://schemas.microsoft.com/office/drawing/2017/decorative" val="1"/>
@@ -7783,14 +8399,87 @@
         </p:nvSpPr>
         <p:spPr>
           <a:xfrm>
-            <a:off x="0" y="0"/>
-            <a:ext cx="12191999" cy="2285999"/>
+            <a:off x="1" y="0"/>
+            <a:ext cx="5443666" cy="6858000"/>
           </a:xfrm>
-          <a:prstGeom prst="rect">
+          <a:custGeom>
             <a:avLst/>
-          </a:prstGeom>
+            <a:gdLst>
+              <a:gd name="connsiteX0" fmla="*/ 0 w 5443666"/>
+              <a:gd name="connsiteY0" fmla="*/ 0 h 6845983"/>
+              <a:gd name="connsiteX1" fmla="*/ 3595564 w 5443666"/>
+              <a:gd name="connsiteY1" fmla="*/ 0 h 6845983"/>
+              <a:gd name="connsiteX2" fmla="*/ 3746607 w 5443666"/>
+              <a:gd name="connsiteY2" fmla="*/ 118697 h 6845983"/>
+              <a:gd name="connsiteX3" fmla="*/ 5443666 w 5443666"/>
+              <a:gd name="connsiteY3" fmla="*/ 3717234 h 6845983"/>
+              <a:gd name="connsiteX4" fmla="*/ 4378763 w 5443666"/>
+              <a:gd name="connsiteY4" fmla="*/ 6683615 h 6845983"/>
+              <a:gd name="connsiteX5" fmla="*/ 4238117 w 5443666"/>
+              <a:gd name="connsiteY5" fmla="*/ 6845983 h 6845983"/>
+              <a:gd name="connsiteX6" fmla="*/ 0 w 5443666"/>
+              <a:gd name="connsiteY6" fmla="*/ 6845983 h 6845983"/>
+            </a:gdLst>
+            <a:ahLst/>
+            <a:cxnLst>
+              <a:cxn ang="0">
+                <a:pos x="connsiteX0" y="connsiteY0"/>
+              </a:cxn>
+              <a:cxn ang="0">
+                <a:pos x="connsiteX1" y="connsiteY1"/>
+              </a:cxn>
+              <a:cxn ang="0">
+                <a:pos x="connsiteX2" y="connsiteY2"/>
+              </a:cxn>
+              <a:cxn ang="0">
+                <a:pos x="connsiteX3" y="connsiteY3"/>
+              </a:cxn>
+              <a:cxn ang="0">
+                <a:pos x="connsiteX4" y="connsiteY4"/>
+              </a:cxn>
+              <a:cxn ang="0">
+                <a:pos x="connsiteX5" y="connsiteY5"/>
+              </a:cxn>
+              <a:cxn ang="0">
+                <a:pos x="connsiteX6" y="connsiteY6"/>
+              </a:cxn>
+            </a:cxnLst>
+            <a:rect l="l" t="t" r="r" b="b"/>
+            <a:pathLst>
+              <a:path w="5443666" h="6845983">
+                <a:moveTo>
+                  <a:pt x="0" y="0"/>
+                </a:moveTo>
+                <a:lnTo>
+                  <a:pt x="3595564" y="0"/>
+                </a:lnTo>
+                <a:lnTo>
+                  <a:pt x="3746607" y="118697"/>
+                </a:lnTo>
+                <a:cubicBezTo>
+                  <a:pt x="4783044" y="974041"/>
+                  <a:pt x="5443666" y="2268489"/>
+                  <a:pt x="5443666" y="3717234"/>
+                </a:cubicBezTo>
+                <a:cubicBezTo>
+                  <a:pt x="5443666" y="4844036"/>
+                  <a:pt x="5044030" y="5877498"/>
+                  <a:pt x="4378763" y="6683615"/>
+                </a:cubicBezTo>
+                <a:lnTo>
+                  <a:pt x="4238117" y="6845983"/>
+                </a:lnTo>
+                <a:lnTo>
+                  <a:pt x="0" y="6845983"/>
+                </a:lnTo>
+                <a:close/>
+              </a:path>
+            </a:pathLst>
+          </a:custGeom>
           <a:solidFill>
-            <a:schemeClr val="tx1"/>
+            <a:schemeClr val="tx1">
+              <a:alpha val="80000"/>
+            </a:schemeClr>
           </a:solidFill>
           <a:ln>
             <a:noFill/>
@@ -7813,7 +8502,9 @@
           </a:fontRef>
         </p:style>
         <p:txBody>
-          <a:bodyPr rtlCol="0" anchor="ctr"/>
+          <a:bodyPr wrap="square" rtlCol="0" anchor="ctr">
+            <a:noAutofit/>
+          </a:bodyPr>
           <a:lstStyle/>
           <a:p>
             <a:pPr algn="ctr"/>
@@ -7821,85 +8512,117 @@
           </a:p>
         </p:txBody>
       </p:sp>
-      <p:sp>
-        <p:nvSpPr>
-          <p:cNvPr id="2" name="Title 1"/>
-          <p:cNvSpPr>
-            <a:spLocks noGrp="1"/>
-          </p:cNvSpPr>
-          <p:nvPr>
-            <p:ph type="title"/>
-          </p:nvPr>
-        </p:nvSpPr>
+      <p:pic>
+        <p:nvPicPr>
+          <p:cNvPr id="17" name="Picture 16" descr="Magnifying glass showing decling performance">
+            <a:extLst>
+              <a:ext uri="{FF2B5EF4-FFF2-40B4-BE49-F238E27FC236}">
+                <a16:creationId xmlns:a16="http://schemas.microsoft.com/office/drawing/2014/main" id="{E9BA68EF-B78F-B588-F429-7631DD2E1751}"/>
+              </a:ext>
+            </a:extLst>
+          </p:cNvPr>
+          <p:cNvPicPr>
+            <a:picLocks noChangeAspect="1"/>
+          </p:cNvPicPr>
+          <p:nvPr/>
+        </p:nvPicPr>
+        <p:blipFill rotWithShape="1">
+          <a:blip r:embed="rId3"/>
+          <a:srcRect l="9338" r="39902" b="-1"/>
+          <a:stretch/>
+        </p:blipFill>
         <p:spPr>
           <a:xfrm>
-            <a:off x="169334" y="434101"/>
-            <a:ext cx="7960540" cy="1232750"/>
+            <a:off x="1" y="10"/>
+            <a:ext cx="5215066" cy="6857990"/>
+          </a:xfrm>
+          <a:custGeom>
+            <a:avLst/>
+            <a:gdLst/>
+            <a:ahLst/>
+            <a:cxnLst/>
+            <a:rect l="l" t="t" r="r" b="b"/>
+            <a:pathLst>
+              <a:path w="5215066" h="6845983">
+                <a:moveTo>
+                  <a:pt x="0" y="0"/>
+                </a:moveTo>
+                <a:lnTo>
+                  <a:pt x="3197713" y="0"/>
+                </a:lnTo>
+                <a:lnTo>
+                  <a:pt x="3259787" y="39795"/>
+                </a:lnTo>
+                <a:cubicBezTo>
+                  <a:pt x="4439462" y="836768"/>
+                  <a:pt x="5215066" y="2186425"/>
+                  <a:pt x="5215066" y="3717234"/>
+                </a:cubicBezTo>
+                <a:cubicBezTo>
+                  <a:pt x="5215066" y="4788800"/>
+                  <a:pt x="4835020" y="5771602"/>
+                  <a:pt x="4202364" y="6538204"/>
+                </a:cubicBezTo>
+                <a:lnTo>
+                  <a:pt x="3922635" y="6845983"/>
+                </a:lnTo>
+                <a:lnTo>
+                  <a:pt x="0" y="6845983"/>
+                </a:lnTo>
+                <a:close/>
+              </a:path>
+            </a:pathLst>
+          </a:custGeom>
+        </p:spPr>
+      </p:pic>
+      <p:sp>
+        <p:nvSpPr>
+          <p:cNvPr id="3" name="Content Placeholder 2"/>
+          <p:cNvSpPr>
+            <a:spLocks noGrp="1"/>
+          </p:cNvSpPr>
+          <p:nvPr>
+            <p:ph idx="1"/>
+          </p:nvPr>
+        </p:nvSpPr>
+        <p:spPr>
+          <a:xfrm>
+            <a:off x="5986332" y="2886500"/>
+            <a:ext cx="5443666" cy="3337721"/>
           </a:xfrm>
         </p:spPr>
         <p:txBody>
-          <a:bodyPr anchor="b">
-            <a:normAutofit fontScale="90000"/>
+          <a:bodyPr>
+            <a:normAutofit/>
           </a:bodyPr>
           <a:lstStyle/>
           <a:p>
             <a:r>
               <a:rPr lang="en-US" dirty="0">
                 <a:solidFill>
-                  <a:schemeClr val="bg1"/>
+                  <a:schemeClr val="tx1"/>
                 </a:solidFill>
               </a:rPr>
-              <a:t>JavaScript </a:t>
+              <a:t>Look in the slide notes below for topics to consider talking about</a:t>
             </a:r>
-            <a:r>
-              <a:rPr lang="en-US" dirty="0" err="1">
-                <a:solidFill>
-                  <a:schemeClr val="bg1"/>
-                </a:solidFill>
-              </a:rPr>
-              <a:t>GeoJson</a:t>
-            </a:r>
-            <a:r>
-              <a:rPr lang="en-US" dirty="0">
-                <a:solidFill>
-                  <a:schemeClr val="bg1"/>
-                </a:solidFill>
-              </a:rPr>
-              <a:t> </a:t>
-            </a:r>
-            <a:br>
-              <a:rPr lang="en-US" dirty="0">
-                <a:solidFill>
-                  <a:schemeClr val="bg1"/>
-                </a:solidFill>
-              </a:rPr>
-            </a:br>
-            <a:r>
-              <a:rPr lang="en-US" dirty="0">
-                <a:solidFill>
-                  <a:schemeClr val="bg1"/>
-                </a:solidFill>
-              </a:rPr>
-              <a:t>with Leaflet</a:t>
-            </a:r>
-          </a:p>
-        </p:txBody>
-      </p:sp>
-      <p:cxnSp>
-        <p:nvCxnSpPr>
-          <p:cNvPr id="13" name="Straight Connector 12">
+          </a:p>
+        </p:txBody>
+      </p:sp>
+      <p:sp>
+        <p:nvSpPr>
+          <p:cNvPr id="25" name="Freeform 6">
             <a:extLst>
               <a:ext uri="{FF2B5EF4-FFF2-40B4-BE49-F238E27FC236}">
-                <a16:creationId xmlns:a16="http://schemas.microsoft.com/office/drawing/2014/main" id="{C6C21149-7D17-44C2-AFB6-4D931DC55FB1}"/>
+                <a16:creationId xmlns:a16="http://schemas.microsoft.com/office/drawing/2014/main" id="{D3686B33-4E07-4542-8F02-1876C8359B8D}"/>
               </a:ext>
               <a:ext uri="{C183D7F6-B498-43B3-948B-1728B52AA6E4}">
                 <adec:decorative xmlns:adec="http://schemas.microsoft.com/office/drawing/2017/decorative" val="1"/>
               </a:ext>
             </a:extLst>
           </p:cNvPr>
-          <p:cNvCxnSpPr>
-            <a:cxnSpLocks noGrp="1" noRot="1" noChangeAspect="1" noMove="1" noResize="1" noEditPoints="1" noAdjustHandles="1" noChangeArrowheads="1" noChangeShapeType="1"/>
-          </p:cNvCxnSpPr>
+          <p:cNvSpPr>
+            <a:spLocks noGrp="1" noRot="1" noChangeAspect="1" noMove="1" noResize="1" noEditPoints="1" noAdjustHandles="1" noChangeArrowheads="1" noChangeShapeType="1" noTextEdit="1"/>
+          </p:cNvSpPr>
           <p:nvPr>
             <p:extLst>
               <p:ext uri="{386F3935-93C4-4BCD-93E2-E3B085C9AB24}">
@@ -7907,62 +8630,10 @@
               </p:ext>
             </p:extLst>
           </p:nvPr>
-        </p:nvCxnSpPr>
-        <p:spPr>
-          <a:xfrm>
-            <a:off x="0" y="1676579"/>
-            <a:ext cx="8129873" cy="6020"/>
-          </a:xfrm>
-          <a:prstGeom prst="line">
-            <a:avLst/>
-          </a:prstGeom>
-          <a:ln w="25400">
-            <a:solidFill>
-              <a:schemeClr val="bg1"/>
-            </a:solidFill>
-          </a:ln>
-        </p:spPr>
-        <p:style>
-          <a:lnRef idx="1">
-            <a:schemeClr val="accent1"/>
-          </a:lnRef>
-          <a:fillRef idx="0">
-            <a:schemeClr val="accent1"/>
-          </a:fillRef>
-          <a:effectRef idx="0">
-            <a:schemeClr val="accent1"/>
-          </a:effectRef>
-          <a:fontRef idx="minor">
-            <a:schemeClr val="tx1"/>
-          </a:fontRef>
-        </p:style>
-      </p:cxnSp>
-      <p:sp>
-        <p:nvSpPr>
-          <p:cNvPr id="15" name="Freeform 6">
-            <a:extLst>
-              <a:ext uri="{FF2B5EF4-FFF2-40B4-BE49-F238E27FC236}">
-                <a16:creationId xmlns:a16="http://schemas.microsoft.com/office/drawing/2014/main" id="{C2E5FCF0-567A-448C-A6E3-920BFC702C2F}"/>
-              </a:ext>
-              <a:ext uri="{C183D7F6-B498-43B3-948B-1728B52AA6E4}">
-                <adec:decorative xmlns:adec="http://schemas.microsoft.com/office/drawing/2017/decorative" val="1"/>
-              </a:ext>
-            </a:extLst>
-          </p:cNvPr>
-          <p:cNvSpPr>
-            <a:spLocks noGrp="1" noRot="1" noChangeAspect="1" noMove="1" noResize="1" noEditPoints="1" noAdjustHandles="1" noChangeArrowheads="1" noChangeShapeType="1" noTextEdit="1"/>
-          </p:cNvSpPr>
-          <p:nvPr>
-            <p:extLst>
-              <p:ext uri="{386F3935-93C4-4BCD-93E2-E3B085C9AB24}">
-                <p16:designElem xmlns:p16="http://schemas.microsoft.com/office/powerpoint/2015/main" val="1"/>
-              </p:ext>
-            </p:extLst>
-          </p:nvPr>
         </p:nvSpPr>
         <p:spPr bwMode="auto">
           <a:xfrm>
-            <a:off x="11784011" y="938535"/>
+            <a:off x="11784011" y="5380579"/>
             <a:ext cx="407988" cy="819150"/>
           </a:xfrm>
           <a:custGeom>
@@ -8140,7 +8811,7 @@
             </a:pathLst>
           </a:custGeom>
           <a:solidFill>
-            <a:schemeClr val="bg2"/>
+            <a:schemeClr val="tx2"/>
           </a:solidFill>
           <a:ln w="0">
             <a:noFill/>
@@ -8158,35 +8829,6 @@
           </a:p>
         </p:txBody>
       </p:sp>
-      <p:sp>
-        <p:nvSpPr>
-          <p:cNvPr id="3" name="Content Placeholder 2"/>
-          <p:cNvSpPr>
-            <a:spLocks noGrp="1"/>
-          </p:cNvSpPr>
-          <p:nvPr>
-            <p:ph idx="1"/>
-          </p:nvPr>
-        </p:nvSpPr>
-        <p:spPr>
-          <a:xfrm>
-            <a:off x="960119" y="2942252"/>
-            <a:ext cx="10266681" cy="3172409"/>
-          </a:xfrm>
-        </p:spPr>
-        <p:txBody>
-          <a:bodyPr>
-            <a:normAutofit/>
-          </a:bodyPr>
-          <a:lstStyle/>
-          <a:p>
-            <a:r>
-              <a:rPr lang="en-US" dirty="0"/>
-              <a:t>Look in the slide notes below for topics to consider talking about</a:t>
-            </a:r>
-          </a:p>
-        </p:txBody>
-      </p:sp>
     </p:spTree>
     <p:extLst>
       <p:ext uri="{BB962C8B-B14F-4D97-AF65-F5344CB8AC3E}">
@@ -8195,8 +8837,100 @@
     </p:extLst>
   </p:cSld>
   <p:clrMapOvr>
-    <a:masterClrMapping/>
+    <a:overrideClrMapping bg1="dk1" tx1="lt1" bg2="dk2" tx2="lt2" accent1="accent1" accent2="accent2" accent3="accent3" accent4="accent4" accent5="accent5" accent6="accent6" hlink="hlink" folHlink="folHlink"/>
   </p:clrMapOvr>
+  <p:timing>
+    <p:tnLst>
+      <p:par>
+        <p:cTn id="1" dur="indefinite" restart="never" nodeType="tmRoot">
+          <p:childTnLst>
+            <p:seq concurrent="1" nextAc="seek">
+              <p:cTn id="2" dur="indefinite" nodeType="mainSeq">
+                <p:childTnLst>
+                  <p:par>
+                    <p:cTn id="3" fill="hold">
+                      <p:stCondLst>
+                        <p:cond delay="indefinite"/>
+                        <p:cond evt="onBegin" delay="0">
+                          <p:tn val="2"/>
+                        </p:cond>
+                      </p:stCondLst>
+                      <p:childTnLst>
+                        <p:par>
+                          <p:cTn id="4" fill="hold">
+                            <p:stCondLst>
+                              <p:cond delay="0"/>
+                            </p:stCondLst>
+                            <p:childTnLst>
+                              <p:par>
+                                <p:cTn id="5" presetID="10" presetClass="entr" presetSubtype="0" fill="hold" grpId="0" nodeType="withEffect">
+                                  <p:stCondLst>
+                                    <p:cond delay="1000"/>
+                                  </p:stCondLst>
+                                  <p:iterate>
+                                    <p:tmPct val="10000"/>
+                                  </p:iterate>
+                                  <p:childTnLst>
+                                    <p:set>
+                                      <p:cBhvr>
+                                        <p:cTn id="6" dur="1" fill="hold">
+                                          <p:stCondLst>
+                                            <p:cond delay="0"/>
+                                          </p:stCondLst>
+                                        </p:cTn>
+                                        <p:tgtEl>
+                                          <p:spTgt spid="2"/>
+                                        </p:tgtEl>
+                                        <p:attrNameLst>
+                                          <p:attrName>style.visibility</p:attrName>
+                                        </p:attrNameLst>
+                                      </p:cBhvr>
+                                      <p:to>
+                                        <p:strVal val="visible"/>
+                                      </p:to>
+                                    </p:set>
+                                    <p:animEffect transition="in" filter="fade">
+                                      <p:cBhvr>
+                                        <p:cTn id="7" dur="700"/>
+                                        <p:tgtEl>
+                                          <p:spTgt spid="2"/>
+                                        </p:tgtEl>
+                                      </p:cBhvr>
+                                    </p:animEffect>
+                                  </p:childTnLst>
+                                </p:cTn>
+                              </p:par>
+                            </p:childTnLst>
+                          </p:cTn>
+                        </p:par>
+                      </p:childTnLst>
+                    </p:cTn>
+                  </p:par>
+                </p:childTnLst>
+              </p:cTn>
+              <p:prevCondLst>
+                <p:cond evt="onPrev" delay="0">
+                  <p:tgtEl>
+                    <p:sldTgt/>
+                  </p:tgtEl>
+                </p:cond>
+              </p:prevCondLst>
+              <p:nextCondLst>
+                <p:cond evt="onNext" delay="0">
+                  <p:tgtEl>
+                    <p:sldTgt/>
+                  </p:tgtEl>
+                </p:cond>
+              </p:nextCondLst>
+            </p:seq>
+          </p:childTnLst>
+        </p:cTn>
+      </p:par>
+    </p:tnLst>
+    <p:bldLst>
+      <p:bldP spid="2" grpId="0"/>
+    </p:bldLst>
+  </p:timing>
 </p:sld>
 </file>
 

--- a/Powerpoint.pptx
+++ b/Powerpoint.pptx
@@ -9414,17 +9414,33 @@
               <a:rPr lang="en-US" dirty="0">
                 <a:hlinkClick r:id="rId2"/>
               </a:rPr>
+              <a:t>https://www.vectorstock.com/royalty-free-vector</a:t>
+            </a:r>
+            <a:r>
+              <a:rPr lang="en-US">
+                <a:hlinkClick r:id="rId2"/>
+              </a:rPr>
+              <a:t>/simple-black-and-white-gun-vector-8614354 </a:t>
+            </a:r>
+            <a:r>
+              <a:rPr lang="en-US"/>
+              <a:t>(Image- Slide 1)</a:t>
+            </a:r>
+            <a:endParaRPr lang="en-US" dirty="0">
+              <a:hlinkClick r:id="rId2"/>
+            </a:endParaRPr>
+          </a:p>
+          <a:p>
+            <a:r>
+              <a:rPr lang="en-US" dirty="0">
+                <a:hlinkClick r:id="rId2"/>
+              </a:rPr>
               <a:t>https://www.upwork.com/services/product/development-it-python-flask-web-application-with-api-in-html-css-javascript-and-bootstrap-1467755780835794944</a:t>
             </a:r>
             <a:r>
               <a:rPr lang="en-US" dirty="0"/>
-              <a:t> (</a:t>
+              <a:t> (Image- Slide 2)</a:t>
             </a:r>
-            <a:r>
-              <a:rPr lang="en-US"/>
-              <a:t>Image- Slide 2)</a:t>
-            </a:r>
-            <a:endParaRPr lang="en-US" dirty="0"/>
           </a:p>
           <a:p>
             <a:endParaRPr dirty="0"/>
